--- a/Cancer dataset UAE.pptx
+++ b/Cancer dataset UAE.pptx
@@ -6,28 +6,29 @@
   </p:sldMasterIdLst>
   <p:sldIdLst>
     <p:sldId id="256" r:id="rId2"/>
-    <p:sldId id="279" r:id="rId3"/>
-    <p:sldId id="257" r:id="rId4"/>
-    <p:sldId id="258" r:id="rId5"/>
-    <p:sldId id="259" r:id="rId6"/>
-    <p:sldId id="260" r:id="rId7"/>
-    <p:sldId id="261" r:id="rId8"/>
-    <p:sldId id="262" r:id="rId9"/>
-    <p:sldId id="263" r:id="rId10"/>
-    <p:sldId id="264" r:id="rId11"/>
-    <p:sldId id="265" r:id="rId12"/>
-    <p:sldId id="266" r:id="rId13"/>
-    <p:sldId id="267" r:id="rId14"/>
-    <p:sldId id="269" r:id="rId15"/>
-    <p:sldId id="270" r:id="rId16"/>
-    <p:sldId id="271" r:id="rId17"/>
-    <p:sldId id="272" r:id="rId18"/>
-    <p:sldId id="273" r:id="rId19"/>
-    <p:sldId id="274" r:id="rId20"/>
-    <p:sldId id="275" r:id="rId21"/>
-    <p:sldId id="276" r:id="rId22"/>
-    <p:sldId id="277" r:id="rId23"/>
-    <p:sldId id="278" r:id="rId24"/>
+    <p:sldId id="280" r:id="rId3"/>
+    <p:sldId id="279" r:id="rId4"/>
+    <p:sldId id="257" r:id="rId5"/>
+    <p:sldId id="258" r:id="rId6"/>
+    <p:sldId id="259" r:id="rId7"/>
+    <p:sldId id="260" r:id="rId8"/>
+    <p:sldId id="261" r:id="rId9"/>
+    <p:sldId id="262" r:id="rId10"/>
+    <p:sldId id="263" r:id="rId11"/>
+    <p:sldId id="264" r:id="rId12"/>
+    <p:sldId id="265" r:id="rId13"/>
+    <p:sldId id="266" r:id="rId14"/>
+    <p:sldId id="267" r:id="rId15"/>
+    <p:sldId id="269" r:id="rId16"/>
+    <p:sldId id="270" r:id="rId17"/>
+    <p:sldId id="271" r:id="rId18"/>
+    <p:sldId id="272" r:id="rId19"/>
+    <p:sldId id="273" r:id="rId20"/>
+    <p:sldId id="274" r:id="rId21"/>
+    <p:sldId id="275" r:id="rId22"/>
+    <p:sldId id="276" r:id="rId23"/>
+    <p:sldId id="277" r:id="rId24"/>
+    <p:sldId id="278" r:id="rId25"/>
   </p:sldIdLst>
   <p:sldSz cx="12192000" cy="6858000"/>
   <p:notesSz cx="6858000" cy="9144000"/>
@@ -126,6 +127,11 @@
       </a:defRPr>
     </a:lvl9pPr>
   </p:defaultTextStyle>
+  <p:extLst>
+    <p:ext uri="{EFAFB233-063F-42B5-8137-9DF3F51BA10A}">
+      <p15:sldGuideLst xmlns:p15="http://schemas.microsoft.com/office/powerpoint/2012/main"/>
+    </p:ext>
+  </p:extLst>
 </p:presentation>
 </file>
 
@@ -5277,7 +5283,7 @@
           <p:cNvPr id="2" name="Title 1">
             <a:extLst>
               <a:ext uri="{FF2B5EF4-FFF2-40B4-BE49-F238E27FC236}">
-                <a16:creationId xmlns:a16="http://schemas.microsoft.com/office/drawing/2014/main" id="{D7453719-0027-C915-21B0-B063749B01DE}"/>
+                <a16:creationId xmlns:a16="http://schemas.microsoft.com/office/drawing/2014/main" id="{F52DDF94-F50C-C450-2AD0-745A6182D5B0}"/>
               </a:ext>
             </a:extLst>
           </p:cNvPr>
@@ -5302,7 +5308,7 @@
           <a:p>
             <a:r>
               <a:rPr lang="en-US" sz="4800"/>
-              <a:t>Maraim </a:t>
+              <a:t>Hamdah</a:t>
             </a:r>
           </a:p>
         </p:txBody>
@@ -5312,7 +5318,7 @@
           <p:cNvPr id="3" name="Content Placeholder 2">
             <a:extLst>
               <a:ext uri="{FF2B5EF4-FFF2-40B4-BE49-F238E27FC236}">
-                <a16:creationId xmlns:a16="http://schemas.microsoft.com/office/drawing/2014/main" id="{5317C4CE-628E-059E-FA47-DEB1C46F7A68}"/>
+                <a16:creationId xmlns:a16="http://schemas.microsoft.com/office/drawing/2014/main" id="{0377EDDB-69C0-6BDE-7BFB-62BC2CA37BDA}"/>
               </a:ext>
             </a:extLst>
           </p:cNvPr>
@@ -5331,13 +5337,13 @@
         </p:spPr>
         <p:txBody>
           <a:bodyPr anchor="ctr">
-            <a:normAutofit lnSpcReduction="10000"/>
+            <a:normAutofit fontScale="92500" lnSpcReduction="10000"/>
           </a:bodyPr>
           <a:lstStyle/>
           <a:p>
             <a:r>
               <a:rPr lang="en-US" dirty="0"/>
-              <a:t>For Deliverable 2, Python was employed to generate random samples and derive descriptive statistics. Initially, a few lines of code produced errors, yet the group collectively resolved these bugs. The utilization of sampling code facilitated our grasp of data alteration when only a portion of the dataset is chosen. The collaboration made the task effortless and allowed everyone to realize the bond between sampling and statistics.</a:t>
+              <a:t>In Deliverable 2, the collaboration among our group members made it possible to execute the Python code for descriptive analysis. We utilized some methods to calculate the mean, IQR, skewness, and frequency tables. Cooperation among us enabled us to get a grasp of the value's meaning and the code's operation in a stepwise manner. The code execution allowed us to visualize the dataset's patterns more clearly. Overall, this section was beneficial in upgrading our capabilities in output reading and comprehension of fundamental data statistics.</a:t>
             </a:r>
           </a:p>
         </p:txBody>
@@ -5397,7 +5403,7 @@
     </p:spTree>
     <p:extLst>
       <p:ext uri="{BB962C8B-B14F-4D97-AF65-F5344CB8AC3E}">
-        <p14:creationId xmlns:p14="http://schemas.microsoft.com/office/powerpoint/2010/main" val="3610140644"/>
+        <p14:creationId xmlns:p14="http://schemas.microsoft.com/office/powerpoint/2010/main" val="2460280865"/>
       </p:ext>
     </p:extLst>
   </p:cSld>
@@ -5779,7 +5785,7 @@
           <p:cNvPr id="2" name="Title 1">
             <a:extLst>
               <a:ext uri="{FF2B5EF4-FFF2-40B4-BE49-F238E27FC236}">
-                <a16:creationId xmlns:a16="http://schemas.microsoft.com/office/drawing/2014/main" id="{12123B64-A948-A27F-4050-8751560B7384}"/>
+                <a16:creationId xmlns:a16="http://schemas.microsoft.com/office/drawing/2014/main" id="{D7453719-0027-C915-21B0-B063749B01DE}"/>
               </a:ext>
             </a:extLst>
           </p:cNvPr>
@@ -5804,7 +5810,7 @@
           <a:p>
             <a:r>
               <a:rPr lang="en-US" sz="4800"/>
-              <a:t>Afra </a:t>
+              <a:t>Maraim </a:t>
             </a:r>
           </a:p>
         </p:txBody>
@@ -5814,7 +5820,7 @@
           <p:cNvPr id="3" name="Content Placeholder 2">
             <a:extLst>
               <a:ext uri="{FF2B5EF4-FFF2-40B4-BE49-F238E27FC236}">
-                <a16:creationId xmlns:a16="http://schemas.microsoft.com/office/drawing/2014/main" id="{C258AC51-DC35-C86C-D816-B437BC544247}"/>
+                <a16:creationId xmlns:a16="http://schemas.microsoft.com/office/drawing/2014/main" id="{5317C4CE-628E-059E-FA47-DEB1C46F7A68}"/>
               </a:ext>
             </a:extLst>
           </p:cNvPr>
@@ -5839,7 +5845,7 @@
           <a:p>
             <a:r>
               <a:rPr lang="en-US" dirty="0"/>
-              <a:t>In Deliverable 2, the distribution of coding tasks was conducted by our team. The coder wrote the code; the checker reviewed the results and the rest assisted in interpreting the statistics. Our totaling and the use of Python libraries like pandas and matplotlib made data visible. Understanding how descriptive analysis worked with large datasets was a team effort. The whole process was made easier with teamwork.</a:t>
+              <a:t>For Deliverable 2, Python was employed to generate random samples and derive descriptive statistics. Initially, a few lines of code produced errors, yet the group collectively resolved these bugs. The utilization of sampling code facilitated our grasp of data alteration when only a portion of the dataset is chosen. The collaboration made the task effortless and allowed everyone to realize the bond between sampling and statistics.</a:t>
             </a:r>
           </a:p>
         </p:txBody>
@@ -5899,7 +5905,7 @@
     </p:spTree>
     <p:extLst>
       <p:ext uri="{BB962C8B-B14F-4D97-AF65-F5344CB8AC3E}">
-        <p14:creationId xmlns:p14="http://schemas.microsoft.com/office/powerpoint/2010/main" val="1363521855"/>
+        <p14:creationId xmlns:p14="http://schemas.microsoft.com/office/powerpoint/2010/main" val="3610140644"/>
       </p:ext>
     </p:extLst>
   </p:cSld>
@@ -6281,7 +6287,7 @@
           <p:cNvPr id="2" name="Title 1">
             <a:extLst>
               <a:ext uri="{FF2B5EF4-FFF2-40B4-BE49-F238E27FC236}">
-                <a16:creationId xmlns:a16="http://schemas.microsoft.com/office/drawing/2014/main" id="{F430D3AF-EAA1-D7AB-BC20-E3BDF5EDAD61}"/>
+                <a16:creationId xmlns:a16="http://schemas.microsoft.com/office/drawing/2014/main" id="{12123B64-A948-A27F-4050-8751560B7384}"/>
               </a:ext>
             </a:extLst>
           </p:cNvPr>
@@ -6306,7 +6312,7 @@
           <a:p>
             <a:r>
               <a:rPr lang="en-US" sz="4800"/>
-              <a:t>Shaimaa </a:t>
+              <a:t>Afra </a:t>
             </a:r>
           </a:p>
         </p:txBody>
@@ -6316,7 +6322,7 @@
           <p:cNvPr id="3" name="Content Placeholder 2">
             <a:extLst>
               <a:ext uri="{FF2B5EF4-FFF2-40B4-BE49-F238E27FC236}">
-                <a16:creationId xmlns:a16="http://schemas.microsoft.com/office/drawing/2014/main" id="{A340A854-0FBC-4516-0E05-66CDB0FC5EFF}"/>
+                <a16:creationId xmlns:a16="http://schemas.microsoft.com/office/drawing/2014/main" id="{C258AC51-DC35-C86C-D816-B437BC544247}"/>
               </a:ext>
             </a:extLst>
           </p:cNvPr>
@@ -6401,7 +6407,7 @@
     </p:spTree>
     <p:extLst>
       <p:ext uri="{BB962C8B-B14F-4D97-AF65-F5344CB8AC3E}">
-        <p14:creationId xmlns:p14="http://schemas.microsoft.com/office/powerpoint/2010/main" val="2645936943"/>
+        <p14:creationId xmlns:p14="http://schemas.microsoft.com/office/powerpoint/2010/main" val="1363521855"/>
       </p:ext>
     </p:extLst>
   </p:cSld>
@@ -6424,375 +6430,7 @@
     </p:bg>
     <p:spTree>
       <p:nvGrpSpPr>
-        <p:cNvPr id="1" name="">
-          <a:extLst>
-            <a:ext uri="{FF2B5EF4-FFF2-40B4-BE49-F238E27FC236}">
-              <a16:creationId xmlns:a16="http://schemas.microsoft.com/office/drawing/2014/main" id="{0E158408-687A-4F97-FCF2-CD38C97E952F}"/>
-            </a:ext>
-          </a:extLst>
-        </p:cNvPr>
-        <p:cNvGrpSpPr/>
-        <p:nvPr/>
-      </p:nvGrpSpPr>
-      <p:grpSpPr>
-        <a:xfrm>
-          <a:off x="0" y="0"/>
-          <a:ext cx="0" cy="0"/>
-          <a:chOff x="0" y="0"/>
-          <a:chExt cx="0" cy="0"/>
-        </a:xfrm>
-      </p:grpSpPr>
-      <p:sp useBgFill="1">
-        <p:nvSpPr>
-          <p:cNvPr id="7" name="Rectangle 6">
-            <a:extLst>
-              <a:ext uri="{FF2B5EF4-FFF2-40B4-BE49-F238E27FC236}">
-                <a16:creationId xmlns:a16="http://schemas.microsoft.com/office/drawing/2014/main" id="{934F1179-B481-4F9E-BCA3-AFB972070F83}"/>
-              </a:ext>
-              <a:ext uri="{C183D7F6-B498-43B3-948B-1728B52AA6E4}">
-                <adec:decorative xmlns:adec="http://schemas.microsoft.com/office/drawing/2017/decorative" val="1"/>
-              </a:ext>
-            </a:extLst>
-          </p:cNvPr>
-          <p:cNvSpPr>
-            <a:spLocks noGrp="1" noRot="1" noChangeAspect="1" noMove="1" noResize="1" noEditPoints="1" noAdjustHandles="1" noChangeArrowheads="1" noChangeShapeType="1" noTextEdit="1"/>
-          </p:cNvSpPr>
-          <p:nvPr>
-            <p:extLst>
-              <p:ext uri="{386F3935-93C4-4BCD-93E2-E3B085C9AB24}">
-                <p16:designElem xmlns:p16="http://schemas.microsoft.com/office/powerpoint/2015/main" val="1"/>
-              </p:ext>
-            </p:extLst>
-          </p:nvPr>
-        </p:nvSpPr>
-        <p:spPr>
-          <a:xfrm>
-            <a:off x="0" y="0"/>
-            <a:ext cx="12192000" cy="6858000"/>
-          </a:xfrm>
-          <a:prstGeom prst="rect">
-            <a:avLst/>
-          </a:prstGeom>
-          <a:ln>
-            <a:noFill/>
-          </a:ln>
-        </p:spPr>
-        <p:style>
-          <a:lnRef idx="2">
-            <a:schemeClr val="accent1">
-              <a:shade val="50000"/>
-            </a:schemeClr>
-          </a:lnRef>
-          <a:fillRef idx="1">
-            <a:schemeClr val="accent1"/>
-          </a:fillRef>
-          <a:effectRef idx="0">
-            <a:schemeClr val="accent1"/>
-          </a:effectRef>
-          <a:fontRef idx="minor">
-            <a:schemeClr val="lt1"/>
-          </a:fontRef>
-        </p:style>
-        <p:txBody>
-          <a:bodyPr rtlCol="0" anchor="ctr"/>
-          <a:lstStyle/>
-          <a:p>
-            <a:pPr algn="ctr"/>
-            <a:endParaRPr lang="en-US"/>
-          </a:p>
-        </p:txBody>
-      </p:sp>
-      <p:sp>
-        <p:nvSpPr>
-          <p:cNvPr id="9" name="Right Triangle 8">
-            <a:extLst>
-              <a:ext uri="{FF2B5EF4-FFF2-40B4-BE49-F238E27FC236}">
-                <a16:creationId xmlns:a16="http://schemas.microsoft.com/office/drawing/2014/main" id="{827DC2C4-B485-428A-BF4A-472D2967F47F}"/>
-              </a:ext>
-              <a:ext uri="{C183D7F6-B498-43B3-948B-1728B52AA6E4}">
-                <adec:decorative xmlns:adec="http://schemas.microsoft.com/office/drawing/2017/decorative" val="1"/>
-              </a:ext>
-            </a:extLst>
-          </p:cNvPr>
-          <p:cNvSpPr>
-            <a:spLocks noGrp="1" noRot="1" noChangeAspect="1" noMove="1" noResize="1" noEditPoints="1" noAdjustHandles="1" noChangeArrowheads="1" noChangeShapeType="1" noTextEdit="1"/>
-          </p:cNvSpPr>
-          <p:nvPr>
-            <p:extLst>
-              <p:ext uri="{386F3935-93C4-4BCD-93E2-E3B085C9AB24}">
-                <p16:designElem xmlns:p16="http://schemas.microsoft.com/office/powerpoint/2015/main" val="1"/>
-              </p:ext>
-            </p:extLst>
-          </p:nvPr>
-        </p:nvSpPr>
-        <p:spPr>
-          <a:xfrm flipH="1">
-            <a:off x="8576720" y="3335867"/>
-            <a:ext cx="3291840" cy="3200400"/>
-          </a:xfrm>
-          <a:prstGeom prst="rtTriangle">
-            <a:avLst/>
-          </a:prstGeom>
-          <a:solidFill>
-            <a:schemeClr val="accent4"/>
-          </a:solidFill>
-          <a:ln>
-            <a:noFill/>
-          </a:ln>
-        </p:spPr>
-        <p:style>
-          <a:lnRef idx="2">
-            <a:schemeClr val="accent1">
-              <a:shade val="50000"/>
-            </a:schemeClr>
-          </a:lnRef>
-          <a:fillRef idx="1">
-            <a:schemeClr val="accent1"/>
-          </a:fillRef>
-          <a:effectRef idx="0">
-            <a:schemeClr val="accent1"/>
-          </a:effectRef>
-          <a:fontRef idx="minor">
-            <a:schemeClr val="lt1"/>
-          </a:fontRef>
-        </p:style>
-        <p:txBody>
-          <a:bodyPr rtlCol="0" anchor="ctr"/>
-          <a:lstStyle/>
-          <a:p>
-            <a:pPr algn="ctr"/>
-            <a:endParaRPr lang="en-US" dirty="0"/>
-          </a:p>
-        </p:txBody>
-      </p:sp>
-      <p:sp>
-        <p:nvSpPr>
-          <p:cNvPr id="11" name="Rectangle 10">
-            <a:extLst>
-              <a:ext uri="{FF2B5EF4-FFF2-40B4-BE49-F238E27FC236}">
-                <a16:creationId xmlns:a16="http://schemas.microsoft.com/office/drawing/2014/main" id="{EE04B5EB-F158-4507-90DD-BD23620C7CC9}"/>
-              </a:ext>
-              <a:ext uri="{C183D7F6-B498-43B3-948B-1728B52AA6E4}">
-                <adec:decorative xmlns:adec="http://schemas.microsoft.com/office/drawing/2017/decorative" val="1"/>
-              </a:ext>
-            </a:extLst>
-          </p:cNvPr>
-          <p:cNvSpPr>
-            <a:spLocks noGrp="1" noRot="1" noChangeAspect="1" noMove="1" noResize="1" noEditPoints="1" noAdjustHandles="1" noChangeArrowheads="1" noChangeShapeType="1" noTextEdit="1"/>
-          </p:cNvSpPr>
-          <p:nvPr>
-            <p:extLst>
-              <p:ext uri="{386F3935-93C4-4BCD-93E2-E3B085C9AB24}">
-                <p16:designElem xmlns:p16="http://schemas.microsoft.com/office/powerpoint/2015/main" val="1"/>
-              </p:ext>
-            </p:extLst>
-          </p:nvPr>
-        </p:nvSpPr>
-        <p:spPr>
-          <a:xfrm>
-            <a:off x="641774" y="623275"/>
-            <a:ext cx="10905053" cy="5607882"/>
-          </a:xfrm>
-          <a:prstGeom prst="rect">
-            <a:avLst/>
-          </a:prstGeom>
-          <a:noFill/>
-          <a:ln w="19050">
-            <a:solidFill>
-              <a:schemeClr val="tx1">
-                <a:lumMod val="75000"/>
-                <a:lumOff val="25000"/>
-              </a:schemeClr>
-            </a:solidFill>
-          </a:ln>
-        </p:spPr>
-        <p:style>
-          <a:lnRef idx="2">
-            <a:schemeClr val="accent1">
-              <a:shade val="50000"/>
-            </a:schemeClr>
-          </a:lnRef>
-          <a:fillRef idx="1">
-            <a:schemeClr val="accent1"/>
-          </a:fillRef>
-          <a:effectRef idx="0">
-            <a:schemeClr val="accent1"/>
-          </a:effectRef>
-          <a:fontRef idx="minor">
-            <a:schemeClr val="lt1"/>
-          </a:fontRef>
-        </p:style>
-        <p:txBody>
-          <a:bodyPr rtlCol="0" anchor="ctr"/>
-          <a:lstStyle/>
-          <a:p>
-            <a:pPr algn="ctr"/>
-            <a:endParaRPr lang="en-US"/>
-          </a:p>
-        </p:txBody>
-      </p:sp>
-      <p:sp>
-        <p:nvSpPr>
-          <p:cNvPr id="2" name="Title 1">
-            <a:extLst>
-              <a:ext uri="{FF2B5EF4-FFF2-40B4-BE49-F238E27FC236}">
-                <a16:creationId xmlns:a16="http://schemas.microsoft.com/office/drawing/2014/main" id="{BFF97E39-F173-4AC2-18F0-53B82516F6EA}"/>
-              </a:ext>
-            </a:extLst>
-          </p:cNvPr>
-          <p:cNvSpPr>
-            <a:spLocks noGrp="1"/>
-          </p:cNvSpPr>
-          <p:nvPr>
-            <p:ph type="ctrTitle"/>
-          </p:nvPr>
-        </p:nvSpPr>
-        <p:spPr>
-          <a:xfrm>
-            <a:off x="1285241" y="1008993"/>
-            <a:ext cx="9231410" cy="3542045"/>
-          </a:xfrm>
-        </p:spPr>
-        <p:txBody>
-          <a:bodyPr anchor="b">
-            <a:normAutofit/>
-          </a:bodyPr>
-          <a:lstStyle/>
-          <a:p>
-            <a:pPr algn="l"/>
-            <a:r>
-              <a:rPr lang="en-US" sz="11500" b="1"/>
-              <a:t>Derivable 3</a:t>
-            </a:r>
-            <a:endParaRPr lang="en-US" sz="11500"/>
-          </a:p>
-        </p:txBody>
-      </p:sp>
-    </p:spTree>
-    <p:extLst>
-      <p:ext uri="{BB962C8B-B14F-4D97-AF65-F5344CB8AC3E}">
-        <p14:creationId xmlns:p14="http://schemas.microsoft.com/office/powerpoint/2010/main" val="840534000"/>
-      </p:ext>
-    </p:extLst>
-  </p:cSld>
-  <p:clrMapOvr>
-    <a:masterClrMapping/>
-  </p:clrMapOvr>
-  <p:timing>
-    <p:tnLst>
-      <p:par>
-        <p:cTn id="1" dur="indefinite" restart="never" nodeType="tmRoot">
-          <p:childTnLst>
-            <p:seq concurrent="1" nextAc="seek">
-              <p:cTn id="2" dur="indefinite" nodeType="mainSeq">
-                <p:childTnLst>
-                  <p:par>
-                    <p:cTn id="3" fill="hold">
-                      <p:stCondLst>
-                        <p:cond delay="indefinite"/>
-                        <p:cond evt="onBegin" delay="0">
-                          <p:tn val="2"/>
-                        </p:cond>
-                      </p:stCondLst>
-                      <p:childTnLst>
-                        <p:par>
-                          <p:cTn id="4" fill="hold">
-                            <p:stCondLst>
-                              <p:cond delay="0"/>
-                            </p:stCondLst>
-                            <p:childTnLst>
-                              <p:par>
-                                <p:cTn id="5" presetID="10" presetClass="entr" presetSubtype="0" fill="hold" grpId="0" nodeType="withEffect">
-                                  <p:stCondLst>
-                                    <p:cond delay="500"/>
-                                  </p:stCondLst>
-                                  <p:iterate type="lt">
-                                    <p:tmPct val="10000"/>
-                                  </p:iterate>
-                                  <p:childTnLst>
-                                    <p:set>
-                                      <p:cBhvr>
-                                        <p:cTn id="6" dur="1" fill="hold">
-                                          <p:stCondLst>
-                                            <p:cond delay="0"/>
-                                          </p:stCondLst>
-                                        </p:cTn>
-                                        <p:tgtEl>
-                                          <p:spTgt spid="2"/>
-                                        </p:tgtEl>
-                                        <p:attrNameLst>
-                                          <p:attrName>style.visibility</p:attrName>
-                                        </p:attrNameLst>
-                                      </p:cBhvr>
-                                      <p:to>
-                                        <p:strVal val="visible"/>
-                                      </p:to>
-                                    </p:set>
-                                    <p:animEffect transition="in" filter="fade">
-                                      <p:cBhvr>
-                                        <p:cTn id="7" dur="400"/>
-                                        <p:tgtEl>
-                                          <p:spTgt spid="2"/>
-                                        </p:tgtEl>
-                                      </p:cBhvr>
-                                    </p:animEffect>
-                                  </p:childTnLst>
-                                </p:cTn>
-                              </p:par>
-                            </p:childTnLst>
-                          </p:cTn>
-                        </p:par>
-                      </p:childTnLst>
-                    </p:cTn>
-                  </p:par>
-                </p:childTnLst>
-              </p:cTn>
-              <p:prevCondLst>
-                <p:cond evt="onPrev" delay="0">
-                  <p:tgtEl>
-                    <p:sldTgt/>
-                  </p:tgtEl>
-                </p:cond>
-              </p:prevCondLst>
-              <p:nextCondLst>
-                <p:cond evt="onNext" delay="0">
-                  <p:tgtEl>
-                    <p:sldTgt/>
-                  </p:tgtEl>
-                </p:cond>
-              </p:nextCondLst>
-            </p:seq>
-          </p:childTnLst>
-        </p:cTn>
-      </p:par>
-    </p:tnLst>
-    <p:bldLst>
-      <p:bldP spid="2" grpId="0"/>
-    </p:bldLst>
-  </p:timing>
-</p:sld>
-</file>
-
-<file path=ppt/slides/slide14.xml><?xml version="1.0" encoding="utf-8"?>
-<p:sld xmlns:a="http://schemas.openxmlformats.org/drawingml/2006/main" xmlns:r="http://schemas.openxmlformats.org/officeDocument/2006/relationships" xmlns:p="http://schemas.openxmlformats.org/presentationml/2006/main">
-  <p:cSld>
-    <p:bg>
-      <p:bgPr>
-        <a:solidFill>
-          <a:schemeClr val="bg1"/>
-        </a:solidFill>
-        <a:effectLst/>
-      </p:bgPr>
-    </p:bg>
-    <p:spTree>
-      <p:nvGrpSpPr>
-        <p:cNvPr id="1" name="">
-          <a:extLst>
-            <a:ext uri="{FF2B5EF4-FFF2-40B4-BE49-F238E27FC236}">
-              <a16:creationId xmlns:a16="http://schemas.microsoft.com/office/drawing/2014/main" id="{5A120909-E019-3141-4913-190B7FC62DC2}"/>
-            </a:ext>
-          </a:extLst>
-        </p:cNvPr>
+        <p:cNvPr id="1" name=""/>
         <p:cNvGrpSpPr/>
         <p:nvPr/>
       </p:nvGrpSpPr>
@@ -7151,7 +6789,7 @@
           <p:cNvPr id="2" name="Title 1">
             <a:extLst>
               <a:ext uri="{FF2B5EF4-FFF2-40B4-BE49-F238E27FC236}">
-                <a16:creationId xmlns:a16="http://schemas.microsoft.com/office/drawing/2014/main" id="{91FDAC8E-FE19-4882-021C-EFA9D4B7AB37}"/>
+                <a16:creationId xmlns:a16="http://schemas.microsoft.com/office/drawing/2014/main" id="{F430D3AF-EAA1-D7AB-BC20-E3BDF5EDAD61}"/>
               </a:ext>
             </a:extLst>
           </p:cNvPr>
@@ -7176,7 +6814,7 @@
           <a:p>
             <a:r>
               <a:rPr lang="en-US" sz="4800"/>
-              <a:t>Hamdah</a:t>
+              <a:t>Shaimaa </a:t>
             </a:r>
           </a:p>
         </p:txBody>
@@ -7186,7 +6824,7 @@
           <p:cNvPr id="3" name="Content Placeholder 2">
             <a:extLst>
               <a:ext uri="{FF2B5EF4-FFF2-40B4-BE49-F238E27FC236}">
-                <a16:creationId xmlns:a16="http://schemas.microsoft.com/office/drawing/2014/main" id="{DDCA648C-C626-A3E3-9595-442A3DC4225F}"/>
+                <a16:creationId xmlns:a16="http://schemas.microsoft.com/office/drawing/2014/main" id="{A340A854-0FBC-4516-0E05-66CDB0FC5EFF}"/>
               </a:ext>
             </a:extLst>
           </p:cNvPr>
@@ -7205,13 +6843,13 @@
         </p:spPr>
         <p:txBody>
           <a:bodyPr anchor="ctr">
-            <a:normAutofit fontScale="92500"/>
+            <a:normAutofit lnSpcReduction="10000"/>
           </a:bodyPr>
           <a:lstStyle/>
           <a:p>
             <a:r>
               <a:rPr lang="en-US" dirty="0"/>
-              <a:t>Our group delivered clustering models based on K-Means and Hierarchical Clustering in this deliverable. We utilized parameters such as Age and Weight and executed the code to observe the creation of clusters. All the members of the team expressed their interpretation of the cluster diagram. The collaboration among us enabled us to discover the hidden patterns in the dataset and to see how the unsupervised learning method can group patients with similar characteristics.</a:t>
+              <a:t>In Deliverable 2, the distribution of coding tasks was conducted by our team. The coder wrote the code; the checker reviewed the results and the rest assisted in interpreting the statistics. Our totaling and the use of Python libraries like pandas and matplotlib made data visible. Understanding how descriptive analysis worked with large datasets was a team effort. The whole process was made easier with teamwork.</a:t>
             </a:r>
           </a:p>
         </p:txBody>
@@ -7271,13 +6909,375 @@
     </p:spTree>
     <p:extLst>
       <p:ext uri="{BB962C8B-B14F-4D97-AF65-F5344CB8AC3E}">
-        <p14:creationId xmlns:p14="http://schemas.microsoft.com/office/powerpoint/2010/main" val="543828985"/>
+        <p14:creationId xmlns:p14="http://schemas.microsoft.com/office/powerpoint/2010/main" val="2645936943"/>
       </p:ext>
     </p:extLst>
   </p:cSld>
   <p:clrMapOvr>
     <a:masterClrMapping/>
   </p:clrMapOvr>
+</p:sld>
+</file>
+
+<file path=ppt/slides/slide14.xml><?xml version="1.0" encoding="utf-8"?>
+<p:sld xmlns:a="http://schemas.openxmlformats.org/drawingml/2006/main" xmlns:r="http://schemas.openxmlformats.org/officeDocument/2006/relationships" xmlns:p="http://schemas.openxmlformats.org/presentationml/2006/main">
+  <p:cSld>
+    <p:bg>
+      <p:bgPr>
+        <a:solidFill>
+          <a:schemeClr val="bg1"/>
+        </a:solidFill>
+        <a:effectLst/>
+      </p:bgPr>
+    </p:bg>
+    <p:spTree>
+      <p:nvGrpSpPr>
+        <p:cNvPr id="1" name="">
+          <a:extLst>
+            <a:ext uri="{FF2B5EF4-FFF2-40B4-BE49-F238E27FC236}">
+              <a16:creationId xmlns:a16="http://schemas.microsoft.com/office/drawing/2014/main" id="{0E158408-687A-4F97-FCF2-CD38C97E952F}"/>
+            </a:ext>
+          </a:extLst>
+        </p:cNvPr>
+        <p:cNvGrpSpPr/>
+        <p:nvPr/>
+      </p:nvGrpSpPr>
+      <p:grpSpPr>
+        <a:xfrm>
+          <a:off x="0" y="0"/>
+          <a:ext cx="0" cy="0"/>
+          <a:chOff x="0" y="0"/>
+          <a:chExt cx="0" cy="0"/>
+        </a:xfrm>
+      </p:grpSpPr>
+      <p:sp useBgFill="1">
+        <p:nvSpPr>
+          <p:cNvPr id="7" name="Rectangle 6">
+            <a:extLst>
+              <a:ext uri="{FF2B5EF4-FFF2-40B4-BE49-F238E27FC236}">
+                <a16:creationId xmlns:a16="http://schemas.microsoft.com/office/drawing/2014/main" id="{934F1179-B481-4F9E-BCA3-AFB972070F83}"/>
+              </a:ext>
+              <a:ext uri="{C183D7F6-B498-43B3-948B-1728B52AA6E4}">
+                <adec:decorative xmlns:adec="http://schemas.microsoft.com/office/drawing/2017/decorative" val="1"/>
+              </a:ext>
+            </a:extLst>
+          </p:cNvPr>
+          <p:cNvSpPr>
+            <a:spLocks noGrp="1" noRot="1" noChangeAspect="1" noMove="1" noResize="1" noEditPoints="1" noAdjustHandles="1" noChangeArrowheads="1" noChangeShapeType="1" noTextEdit="1"/>
+          </p:cNvSpPr>
+          <p:nvPr>
+            <p:extLst>
+              <p:ext uri="{386F3935-93C4-4BCD-93E2-E3B085C9AB24}">
+                <p16:designElem xmlns:p16="http://schemas.microsoft.com/office/powerpoint/2015/main" val="1"/>
+              </p:ext>
+            </p:extLst>
+          </p:nvPr>
+        </p:nvSpPr>
+        <p:spPr>
+          <a:xfrm>
+            <a:off x="0" y="0"/>
+            <a:ext cx="12192000" cy="6858000"/>
+          </a:xfrm>
+          <a:prstGeom prst="rect">
+            <a:avLst/>
+          </a:prstGeom>
+          <a:ln>
+            <a:noFill/>
+          </a:ln>
+        </p:spPr>
+        <p:style>
+          <a:lnRef idx="2">
+            <a:schemeClr val="accent1">
+              <a:shade val="50000"/>
+            </a:schemeClr>
+          </a:lnRef>
+          <a:fillRef idx="1">
+            <a:schemeClr val="accent1"/>
+          </a:fillRef>
+          <a:effectRef idx="0">
+            <a:schemeClr val="accent1"/>
+          </a:effectRef>
+          <a:fontRef idx="minor">
+            <a:schemeClr val="lt1"/>
+          </a:fontRef>
+        </p:style>
+        <p:txBody>
+          <a:bodyPr rtlCol="0" anchor="ctr"/>
+          <a:lstStyle/>
+          <a:p>
+            <a:pPr algn="ctr"/>
+            <a:endParaRPr lang="en-US"/>
+          </a:p>
+        </p:txBody>
+      </p:sp>
+      <p:sp>
+        <p:nvSpPr>
+          <p:cNvPr id="9" name="Right Triangle 8">
+            <a:extLst>
+              <a:ext uri="{FF2B5EF4-FFF2-40B4-BE49-F238E27FC236}">
+                <a16:creationId xmlns:a16="http://schemas.microsoft.com/office/drawing/2014/main" id="{827DC2C4-B485-428A-BF4A-472D2967F47F}"/>
+              </a:ext>
+              <a:ext uri="{C183D7F6-B498-43B3-948B-1728B52AA6E4}">
+                <adec:decorative xmlns:adec="http://schemas.microsoft.com/office/drawing/2017/decorative" val="1"/>
+              </a:ext>
+            </a:extLst>
+          </p:cNvPr>
+          <p:cNvSpPr>
+            <a:spLocks noGrp="1" noRot="1" noChangeAspect="1" noMove="1" noResize="1" noEditPoints="1" noAdjustHandles="1" noChangeArrowheads="1" noChangeShapeType="1" noTextEdit="1"/>
+          </p:cNvSpPr>
+          <p:nvPr>
+            <p:extLst>
+              <p:ext uri="{386F3935-93C4-4BCD-93E2-E3B085C9AB24}">
+                <p16:designElem xmlns:p16="http://schemas.microsoft.com/office/powerpoint/2015/main" val="1"/>
+              </p:ext>
+            </p:extLst>
+          </p:nvPr>
+        </p:nvSpPr>
+        <p:spPr>
+          <a:xfrm flipH="1">
+            <a:off x="8576720" y="3335867"/>
+            <a:ext cx="3291840" cy="3200400"/>
+          </a:xfrm>
+          <a:prstGeom prst="rtTriangle">
+            <a:avLst/>
+          </a:prstGeom>
+          <a:solidFill>
+            <a:schemeClr val="accent4"/>
+          </a:solidFill>
+          <a:ln>
+            <a:noFill/>
+          </a:ln>
+        </p:spPr>
+        <p:style>
+          <a:lnRef idx="2">
+            <a:schemeClr val="accent1">
+              <a:shade val="50000"/>
+            </a:schemeClr>
+          </a:lnRef>
+          <a:fillRef idx="1">
+            <a:schemeClr val="accent1"/>
+          </a:fillRef>
+          <a:effectRef idx="0">
+            <a:schemeClr val="accent1"/>
+          </a:effectRef>
+          <a:fontRef idx="minor">
+            <a:schemeClr val="lt1"/>
+          </a:fontRef>
+        </p:style>
+        <p:txBody>
+          <a:bodyPr rtlCol="0" anchor="ctr"/>
+          <a:lstStyle/>
+          <a:p>
+            <a:pPr algn="ctr"/>
+            <a:endParaRPr lang="en-US" dirty="0"/>
+          </a:p>
+        </p:txBody>
+      </p:sp>
+      <p:sp>
+        <p:nvSpPr>
+          <p:cNvPr id="11" name="Rectangle 10">
+            <a:extLst>
+              <a:ext uri="{FF2B5EF4-FFF2-40B4-BE49-F238E27FC236}">
+                <a16:creationId xmlns:a16="http://schemas.microsoft.com/office/drawing/2014/main" id="{EE04B5EB-F158-4507-90DD-BD23620C7CC9}"/>
+              </a:ext>
+              <a:ext uri="{C183D7F6-B498-43B3-948B-1728B52AA6E4}">
+                <adec:decorative xmlns:adec="http://schemas.microsoft.com/office/drawing/2017/decorative" val="1"/>
+              </a:ext>
+            </a:extLst>
+          </p:cNvPr>
+          <p:cNvSpPr>
+            <a:spLocks noGrp="1" noRot="1" noChangeAspect="1" noMove="1" noResize="1" noEditPoints="1" noAdjustHandles="1" noChangeArrowheads="1" noChangeShapeType="1" noTextEdit="1"/>
+          </p:cNvSpPr>
+          <p:nvPr>
+            <p:extLst>
+              <p:ext uri="{386F3935-93C4-4BCD-93E2-E3B085C9AB24}">
+                <p16:designElem xmlns:p16="http://schemas.microsoft.com/office/powerpoint/2015/main" val="1"/>
+              </p:ext>
+            </p:extLst>
+          </p:nvPr>
+        </p:nvSpPr>
+        <p:spPr>
+          <a:xfrm>
+            <a:off x="641774" y="623275"/>
+            <a:ext cx="10905053" cy="5607882"/>
+          </a:xfrm>
+          <a:prstGeom prst="rect">
+            <a:avLst/>
+          </a:prstGeom>
+          <a:noFill/>
+          <a:ln w="19050">
+            <a:solidFill>
+              <a:schemeClr val="tx1">
+                <a:lumMod val="75000"/>
+                <a:lumOff val="25000"/>
+              </a:schemeClr>
+            </a:solidFill>
+          </a:ln>
+        </p:spPr>
+        <p:style>
+          <a:lnRef idx="2">
+            <a:schemeClr val="accent1">
+              <a:shade val="50000"/>
+            </a:schemeClr>
+          </a:lnRef>
+          <a:fillRef idx="1">
+            <a:schemeClr val="accent1"/>
+          </a:fillRef>
+          <a:effectRef idx="0">
+            <a:schemeClr val="accent1"/>
+          </a:effectRef>
+          <a:fontRef idx="minor">
+            <a:schemeClr val="lt1"/>
+          </a:fontRef>
+        </p:style>
+        <p:txBody>
+          <a:bodyPr rtlCol="0" anchor="ctr"/>
+          <a:lstStyle/>
+          <a:p>
+            <a:pPr algn="ctr"/>
+            <a:endParaRPr lang="en-US"/>
+          </a:p>
+        </p:txBody>
+      </p:sp>
+      <p:sp>
+        <p:nvSpPr>
+          <p:cNvPr id="2" name="Title 1">
+            <a:extLst>
+              <a:ext uri="{FF2B5EF4-FFF2-40B4-BE49-F238E27FC236}">
+                <a16:creationId xmlns:a16="http://schemas.microsoft.com/office/drawing/2014/main" id="{BFF97E39-F173-4AC2-18F0-53B82516F6EA}"/>
+              </a:ext>
+            </a:extLst>
+          </p:cNvPr>
+          <p:cNvSpPr>
+            <a:spLocks noGrp="1"/>
+          </p:cNvSpPr>
+          <p:nvPr>
+            <p:ph type="ctrTitle"/>
+          </p:nvPr>
+        </p:nvSpPr>
+        <p:spPr>
+          <a:xfrm>
+            <a:off x="1285241" y="1008993"/>
+            <a:ext cx="9231410" cy="3542045"/>
+          </a:xfrm>
+        </p:spPr>
+        <p:txBody>
+          <a:bodyPr anchor="b">
+            <a:normAutofit/>
+          </a:bodyPr>
+          <a:lstStyle/>
+          <a:p>
+            <a:pPr algn="l"/>
+            <a:r>
+              <a:rPr lang="en-US" sz="11500" b="1"/>
+              <a:t>Derivable 3</a:t>
+            </a:r>
+            <a:endParaRPr lang="en-US" sz="11500"/>
+          </a:p>
+        </p:txBody>
+      </p:sp>
+    </p:spTree>
+    <p:extLst>
+      <p:ext uri="{BB962C8B-B14F-4D97-AF65-F5344CB8AC3E}">
+        <p14:creationId xmlns:p14="http://schemas.microsoft.com/office/powerpoint/2010/main" val="840534000"/>
+      </p:ext>
+    </p:extLst>
+  </p:cSld>
+  <p:clrMapOvr>
+    <a:masterClrMapping/>
+  </p:clrMapOvr>
+  <p:timing>
+    <p:tnLst>
+      <p:par>
+        <p:cTn id="1" dur="indefinite" restart="never" nodeType="tmRoot">
+          <p:childTnLst>
+            <p:seq concurrent="1" nextAc="seek">
+              <p:cTn id="2" dur="indefinite" nodeType="mainSeq">
+                <p:childTnLst>
+                  <p:par>
+                    <p:cTn id="3" fill="hold">
+                      <p:stCondLst>
+                        <p:cond delay="indefinite"/>
+                        <p:cond evt="onBegin" delay="0">
+                          <p:tn val="2"/>
+                        </p:cond>
+                      </p:stCondLst>
+                      <p:childTnLst>
+                        <p:par>
+                          <p:cTn id="4" fill="hold">
+                            <p:stCondLst>
+                              <p:cond delay="0"/>
+                            </p:stCondLst>
+                            <p:childTnLst>
+                              <p:par>
+                                <p:cTn id="5" presetID="10" presetClass="entr" presetSubtype="0" fill="hold" grpId="0" nodeType="withEffect">
+                                  <p:stCondLst>
+                                    <p:cond delay="500"/>
+                                  </p:stCondLst>
+                                  <p:iterate type="lt">
+                                    <p:tmPct val="10000"/>
+                                  </p:iterate>
+                                  <p:childTnLst>
+                                    <p:set>
+                                      <p:cBhvr>
+                                        <p:cTn id="6" dur="1" fill="hold">
+                                          <p:stCondLst>
+                                            <p:cond delay="0"/>
+                                          </p:stCondLst>
+                                        </p:cTn>
+                                        <p:tgtEl>
+                                          <p:spTgt spid="2"/>
+                                        </p:tgtEl>
+                                        <p:attrNameLst>
+                                          <p:attrName>style.visibility</p:attrName>
+                                        </p:attrNameLst>
+                                      </p:cBhvr>
+                                      <p:to>
+                                        <p:strVal val="visible"/>
+                                      </p:to>
+                                    </p:set>
+                                    <p:animEffect transition="in" filter="fade">
+                                      <p:cBhvr>
+                                        <p:cTn id="7" dur="400"/>
+                                        <p:tgtEl>
+                                          <p:spTgt spid="2"/>
+                                        </p:tgtEl>
+                                      </p:cBhvr>
+                                    </p:animEffect>
+                                  </p:childTnLst>
+                                </p:cTn>
+                              </p:par>
+                            </p:childTnLst>
+                          </p:cTn>
+                        </p:par>
+                      </p:childTnLst>
+                    </p:cTn>
+                  </p:par>
+                </p:childTnLst>
+              </p:cTn>
+              <p:prevCondLst>
+                <p:cond evt="onPrev" delay="0">
+                  <p:tgtEl>
+                    <p:sldTgt/>
+                  </p:tgtEl>
+                </p:cond>
+              </p:prevCondLst>
+              <p:nextCondLst>
+                <p:cond evt="onNext" delay="0">
+                  <p:tgtEl>
+                    <p:sldTgt/>
+                  </p:tgtEl>
+                </p:cond>
+              </p:nextCondLst>
+            </p:seq>
+          </p:childTnLst>
+        </p:cTn>
+      </p:par>
+    </p:tnLst>
+    <p:bldLst>
+      <p:bldP spid="2" grpId="0"/>
+    </p:bldLst>
+  </p:timing>
 </p:sld>
 </file>
 
@@ -7294,7 +7294,13 @@
     </p:bg>
     <p:spTree>
       <p:nvGrpSpPr>
-        <p:cNvPr id="1" name=""/>
+        <p:cNvPr id="1" name="">
+          <a:extLst>
+            <a:ext uri="{FF2B5EF4-FFF2-40B4-BE49-F238E27FC236}">
+              <a16:creationId xmlns:a16="http://schemas.microsoft.com/office/drawing/2014/main" id="{5A120909-E019-3141-4913-190B7FC62DC2}"/>
+            </a:ext>
+          </a:extLst>
+        </p:cNvPr>
         <p:cNvGrpSpPr/>
         <p:nvPr/>
       </p:nvGrpSpPr>
@@ -7653,7 +7659,7 @@
           <p:cNvPr id="2" name="Title 1">
             <a:extLst>
               <a:ext uri="{FF2B5EF4-FFF2-40B4-BE49-F238E27FC236}">
-                <a16:creationId xmlns:a16="http://schemas.microsoft.com/office/drawing/2014/main" id="{736AE185-1563-5581-5A40-657D70AAE7F2}"/>
+                <a16:creationId xmlns:a16="http://schemas.microsoft.com/office/drawing/2014/main" id="{91FDAC8E-FE19-4882-021C-EFA9D4B7AB37}"/>
               </a:ext>
             </a:extLst>
           </p:cNvPr>
@@ -7678,7 +7684,7 @@
           <a:p>
             <a:r>
               <a:rPr lang="en-US" sz="4800"/>
-              <a:t>Maraim</a:t>
+              <a:t>Hamdah</a:t>
             </a:r>
           </a:p>
         </p:txBody>
@@ -7688,7 +7694,7 @@
           <p:cNvPr id="3" name="Content Placeholder 2">
             <a:extLst>
               <a:ext uri="{FF2B5EF4-FFF2-40B4-BE49-F238E27FC236}">
-                <a16:creationId xmlns:a16="http://schemas.microsoft.com/office/drawing/2014/main" id="{7855104F-BD6B-CC90-FB37-58C26DB5D3A4}"/>
+                <a16:creationId xmlns:a16="http://schemas.microsoft.com/office/drawing/2014/main" id="{DDCA648C-C626-A3E3-9595-442A3DC4225F}"/>
               </a:ext>
             </a:extLst>
           </p:cNvPr>
@@ -7713,7 +7719,7 @@
           <a:p>
             <a:r>
               <a:rPr lang="en-US" dirty="0"/>
-              <a:t>In Deliverable 3, the Python code for the regression models was executed by our group together. The impact of Age and Height on Weight was analyzed using simple linear regression and multiple linear regression. Teamwork made it easier for us to grasp the concept of the slope, intercept, and R² score. The code running provided us with a better understanding of the way regression operates in actual data. This section developed our competencies in model building and output interpretation.</a:t>
+              <a:t>Our group delivered clustering models based on K-Means and Hierarchical Clustering in this deliverable. We utilized parameters such as Age and Weight and executed the code to observe the creation of clusters. All the members of the team expressed their interpretation of the cluster diagram. The collaboration among us enabled us to discover the hidden patterns in the dataset and to see how the unsupervised learning method can group patients with similar characteristics.</a:t>
             </a:r>
           </a:p>
         </p:txBody>
@@ -7773,7 +7779,7 @@
     </p:spTree>
     <p:extLst>
       <p:ext uri="{BB962C8B-B14F-4D97-AF65-F5344CB8AC3E}">
-        <p14:creationId xmlns:p14="http://schemas.microsoft.com/office/powerpoint/2010/main" val="4256961938"/>
+        <p14:creationId xmlns:p14="http://schemas.microsoft.com/office/powerpoint/2010/main" val="543828985"/>
       </p:ext>
     </p:extLst>
   </p:cSld>
@@ -8155,7 +8161,7 @@
           <p:cNvPr id="2" name="Title 1">
             <a:extLst>
               <a:ext uri="{FF2B5EF4-FFF2-40B4-BE49-F238E27FC236}">
-                <a16:creationId xmlns:a16="http://schemas.microsoft.com/office/drawing/2014/main" id="{97D16733-ABEA-7FF3-7F8F-9708FF768630}"/>
+                <a16:creationId xmlns:a16="http://schemas.microsoft.com/office/drawing/2014/main" id="{736AE185-1563-5581-5A40-657D70AAE7F2}"/>
               </a:ext>
             </a:extLst>
           </p:cNvPr>
@@ -8180,7 +8186,7 @@
           <a:p>
             <a:r>
               <a:rPr lang="en-US" sz="4800"/>
-              <a:t>Afra </a:t>
+              <a:t>Maraim</a:t>
             </a:r>
           </a:p>
         </p:txBody>
@@ -8190,7 +8196,7 @@
           <p:cNvPr id="3" name="Content Placeholder 2">
             <a:extLst>
               <a:ext uri="{FF2B5EF4-FFF2-40B4-BE49-F238E27FC236}">
-                <a16:creationId xmlns:a16="http://schemas.microsoft.com/office/drawing/2014/main" id="{E4955673-9824-F8A7-CAC7-5301C69C8FF5}"/>
+                <a16:creationId xmlns:a16="http://schemas.microsoft.com/office/drawing/2014/main" id="{7855104F-BD6B-CC90-FB37-58C26DB5D3A4}"/>
               </a:ext>
             </a:extLst>
           </p:cNvPr>
@@ -8215,7 +8221,7 @@
           <a:p>
             <a:r>
               <a:rPr lang="en-US" dirty="0"/>
-              <a:t>Deliverable 3 involved the development of a classifier model using Python for the purpose of predicting the Outcome. The model was trained by applying label encoding and variable with Logistic Regression through Age, Gender, Cancer Stage, and Weight. The entire team supported each other in debugging the code and interpreting the predictions. Collaboration made it more convenient to grasp the working of machine-learning models in terms of their learning from data and making predictions.</a:t>
+              <a:t>In Deliverable 3, the Python code for the regression models was executed by our group together. The impact of Age and Height on Weight was analyzed using simple linear regression and multiple linear regression. Teamwork made it easier for us to grasp the concept of the slope, intercept, and R² score. The code running provided us with a better understanding of the way regression operates in actual data. This section developed our competencies in model building and output interpretation.</a:t>
             </a:r>
           </a:p>
         </p:txBody>
@@ -8275,7 +8281,7 @@
     </p:spTree>
     <p:extLst>
       <p:ext uri="{BB962C8B-B14F-4D97-AF65-F5344CB8AC3E}">
-        <p14:creationId xmlns:p14="http://schemas.microsoft.com/office/powerpoint/2010/main" val="2032074740"/>
+        <p14:creationId xmlns:p14="http://schemas.microsoft.com/office/powerpoint/2010/main" val="4256961938"/>
       </p:ext>
     </p:extLst>
   </p:cSld>
@@ -8657,7 +8663,7 @@
           <p:cNvPr id="2" name="Title 1">
             <a:extLst>
               <a:ext uri="{FF2B5EF4-FFF2-40B4-BE49-F238E27FC236}">
-                <a16:creationId xmlns:a16="http://schemas.microsoft.com/office/drawing/2014/main" id="{C879CB5E-72BC-3378-7E27-EB5FB2B4CD7D}"/>
+                <a16:creationId xmlns:a16="http://schemas.microsoft.com/office/drawing/2014/main" id="{97D16733-ABEA-7FF3-7F8F-9708FF768630}"/>
               </a:ext>
             </a:extLst>
           </p:cNvPr>
@@ -8682,7 +8688,7 @@
           <a:p>
             <a:r>
               <a:rPr lang="en-US" sz="4800"/>
-              <a:t>Shaimaa</a:t>
+              <a:t>Afra </a:t>
             </a:r>
           </a:p>
         </p:txBody>
@@ -8692,7 +8698,7 @@
           <p:cNvPr id="3" name="Content Placeholder 2">
             <a:extLst>
               <a:ext uri="{FF2B5EF4-FFF2-40B4-BE49-F238E27FC236}">
-                <a16:creationId xmlns:a16="http://schemas.microsoft.com/office/drawing/2014/main" id="{1E041908-C3BA-8F43-5066-9CD67AB7332E}"/>
+                <a16:creationId xmlns:a16="http://schemas.microsoft.com/office/drawing/2014/main" id="{E4955673-9824-F8A7-CAC7-5301C69C8FF5}"/>
               </a:ext>
             </a:extLst>
           </p:cNvPr>
@@ -8711,13 +8717,13 @@
         </p:spPr>
         <p:txBody>
           <a:bodyPr anchor="ctr">
-            <a:normAutofit/>
+            <a:normAutofit fontScale="92500"/>
           </a:bodyPr>
           <a:lstStyle/>
           <a:p>
             <a:r>
               <a:rPr lang="en-US" dirty="0"/>
-              <a:t>During the third deliverable, the group wrote Python code for developing regression, classification, and clustering models. We were coding together, and each clarified the results of the others as a team. This enabled us to grasp the functioning of machine-learning models and the interpretation of their outputs. Collaborative effort not only made the tasks simpler but also enhanced our technical skills.</a:t>
+              <a:t>Deliverable 3 involved the development of a classifier model using Python for the purpose of predicting the Outcome. The model was trained by applying label encoding and variable with Logistic Regression through Age, Gender, Cancer Stage, and Weight. The entire team supported each other in debugging the code and interpreting the predictions. Collaboration made it more convenient to grasp the working of machine-learning models in terms of their learning from data and making predictions.</a:t>
             </a:r>
           </a:p>
         </p:txBody>
@@ -8777,7 +8783,7 @@
     </p:spTree>
     <p:extLst>
       <p:ext uri="{BB962C8B-B14F-4D97-AF65-F5344CB8AC3E}">
-        <p14:creationId xmlns:p14="http://schemas.microsoft.com/office/powerpoint/2010/main" val="3176010254"/>
+        <p14:creationId xmlns:p14="http://schemas.microsoft.com/office/powerpoint/2010/main" val="2032074740"/>
       </p:ext>
     </p:extLst>
   </p:cSld>
@@ -8788,368 +8794,6 @@
 </file>
 
 <file path=ppt/slides/slide18.xml><?xml version="1.0" encoding="utf-8"?>
-<p:sld xmlns:a="http://schemas.openxmlformats.org/drawingml/2006/main" xmlns:r="http://schemas.openxmlformats.org/officeDocument/2006/relationships" xmlns:p="http://schemas.openxmlformats.org/presentationml/2006/main">
-  <p:cSld>
-    <p:bg>
-      <p:bgPr>
-        <a:solidFill>
-          <a:schemeClr val="bg1"/>
-        </a:solidFill>
-        <a:effectLst/>
-      </p:bgPr>
-    </p:bg>
-    <p:spTree>
-      <p:nvGrpSpPr>
-        <p:cNvPr id="1" name="">
-          <a:extLst>
-            <a:ext uri="{FF2B5EF4-FFF2-40B4-BE49-F238E27FC236}">
-              <a16:creationId xmlns:a16="http://schemas.microsoft.com/office/drawing/2014/main" id="{65BADA67-2E6A-AB4F-13E0-2AECF7C5062B}"/>
-            </a:ext>
-          </a:extLst>
-        </p:cNvPr>
-        <p:cNvGrpSpPr/>
-        <p:nvPr/>
-      </p:nvGrpSpPr>
-      <p:grpSpPr>
-        <a:xfrm>
-          <a:off x="0" y="0"/>
-          <a:ext cx="0" cy="0"/>
-          <a:chOff x="0" y="0"/>
-          <a:chExt cx="0" cy="0"/>
-        </a:xfrm>
-      </p:grpSpPr>
-      <p:sp useBgFill="1">
-        <p:nvSpPr>
-          <p:cNvPr id="7" name="Rectangle 6">
-            <a:extLst>
-              <a:ext uri="{FF2B5EF4-FFF2-40B4-BE49-F238E27FC236}">
-                <a16:creationId xmlns:a16="http://schemas.microsoft.com/office/drawing/2014/main" id="{934F1179-B481-4F9E-BCA3-AFB972070F83}"/>
-              </a:ext>
-              <a:ext uri="{C183D7F6-B498-43B3-948B-1728B52AA6E4}">
-                <adec:decorative xmlns:adec="http://schemas.microsoft.com/office/drawing/2017/decorative" val="1"/>
-              </a:ext>
-            </a:extLst>
-          </p:cNvPr>
-          <p:cNvSpPr>
-            <a:spLocks noGrp="1" noRot="1" noChangeAspect="1" noMove="1" noResize="1" noEditPoints="1" noAdjustHandles="1" noChangeArrowheads="1" noChangeShapeType="1" noTextEdit="1"/>
-          </p:cNvSpPr>
-          <p:nvPr>
-            <p:extLst>
-              <p:ext uri="{386F3935-93C4-4BCD-93E2-E3B085C9AB24}">
-                <p16:designElem xmlns:p16="http://schemas.microsoft.com/office/powerpoint/2015/main" val="1"/>
-              </p:ext>
-            </p:extLst>
-          </p:nvPr>
-        </p:nvSpPr>
-        <p:spPr>
-          <a:xfrm>
-            <a:off x="0" y="0"/>
-            <a:ext cx="12192000" cy="6858000"/>
-          </a:xfrm>
-          <a:prstGeom prst="rect">
-            <a:avLst/>
-          </a:prstGeom>
-          <a:ln>
-            <a:noFill/>
-          </a:ln>
-        </p:spPr>
-        <p:style>
-          <a:lnRef idx="2">
-            <a:schemeClr val="accent1">
-              <a:shade val="50000"/>
-            </a:schemeClr>
-          </a:lnRef>
-          <a:fillRef idx="1">
-            <a:schemeClr val="accent1"/>
-          </a:fillRef>
-          <a:effectRef idx="0">
-            <a:schemeClr val="accent1"/>
-          </a:effectRef>
-          <a:fontRef idx="minor">
-            <a:schemeClr val="lt1"/>
-          </a:fontRef>
-        </p:style>
-        <p:txBody>
-          <a:bodyPr rtlCol="0" anchor="ctr"/>
-          <a:lstStyle/>
-          <a:p>
-            <a:pPr algn="ctr"/>
-            <a:endParaRPr lang="en-US"/>
-          </a:p>
-        </p:txBody>
-      </p:sp>
-      <p:sp>
-        <p:nvSpPr>
-          <p:cNvPr id="9" name="Right Triangle 8">
-            <a:extLst>
-              <a:ext uri="{FF2B5EF4-FFF2-40B4-BE49-F238E27FC236}">
-                <a16:creationId xmlns:a16="http://schemas.microsoft.com/office/drawing/2014/main" id="{827DC2C4-B485-428A-BF4A-472D2967F47F}"/>
-              </a:ext>
-              <a:ext uri="{C183D7F6-B498-43B3-948B-1728B52AA6E4}">
-                <adec:decorative xmlns:adec="http://schemas.microsoft.com/office/drawing/2017/decorative" val="1"/>
-              </a:ext>
-            </a:extLst>
-          </p:cNvPr>
-          <p:cNvSpPr>
-            <a:spLocks noGrp="1" noRot="1" noChangeAspect="1" noMove="1" noResize="1" noEditPoints="1" noAdjustHandles="1" noChangeArrowheads="1" noChangeShapeType="1" noTextEdit="1"/>
-          </p:cNvSpPr>
-          <p:nvPr>
-            <p:extLst>
-              <p:ext uri="{386F3935-93C4-4BCD-93E2-E3B085C9AB24}">
-                <p16:designElem xmlns:p16="http://schemas.microsoft.com/office/powerpoint/2015/main" val="1"/>
-              </p:ext>
-            </p:extLst>
-          </p:nvPr>
-        </p:nvSpPr>
-        <p:spPr>
-          <a:xfrm flipH="1">
-            <a:off x="8576720" y="3335867"/>
-            <a:ext cx="3291840" cy="3200400"/>
-          </a:xfrm>
-          <a:prstGeom prst="rtTriangle">
-            <a:avLst/>
-          </a:prstGeom>
-          <a:solidFill>
-            <a:schemeClr val="accent4"/>
-          </a:solidFill>
-          <a:ln>
-            <a:noFill/>
-          </a:ln>
-        </p:spPr>
-        <p:style>
-          <a:lnRef idx="2">
-            <a:schemeClr val="accent1">
-              <a:shade val="50000"/>
-            </a:schemeClr>
-          </a:lnRef>
-          <a:fillRef idx="1">
-            <a:schemeClr val="accent1"/>
-          </a:fillRef>
-          <a:effectRef idx="0">
-            <a:schemeClr val="accent1"/>
-          </a:effectRef>
-          <a:fontRef idx="minor">
-            <a:schemeClr val="lt1"/>
-          </a:fontRef>
-        </p:style>
-        <p:txBody>
-          <a:bodyPr rtlCol="0" anchor="ctr"/>
-          <a:lstStyle/>
-          <a:p>
-            <a:pPr algn="ctr"/>
-            <a:endParaRPr lang="en-US" dirty="0"/>
-          </a:p>
-        </p:txBody>
-      </p:sp>
-      <p:sp>
-        <p:nvSpPr>
-          <p:cNvPr id="11" name="Rectangle 10">
-            <a:extLst>
-              <a:ext uri="{FF2B5EF4-FFF2-40B4-BE49-F238E27FC236}">
-                <a16:creationId xmlns:a16="http://schemas.microsoft.com/office/drawing/2014/main" id="{EE04B5EB-F158-4507-90DD-BD23620C7CC9}"/>
-              </a:ext>
-              <a:ext uri="{C183D7F6-B498-43B3-948B-1728B52AA6E4}">
-                <adec:decorative xmlns:adec="http://schemas.microsoft.com/office/drawing/2017/decorative" val="1"/>
-              </a:ext>
-            </a:extLst>
-          </p:cNvPr>
-          <p:cNvSpPr>
-            <a:spLocks noGrp="1" noRot="1" noChangeAspect="1" noMove="1" noResize="1" noEditPoints="1" noAdjustHandles="1" noChangeArrowheads="1" noChangeShapeType="1" noTextEdit="1"/>
-          </p:cNvSpPr>
-          <p:nvPr>
-            <p:extLst>
-              <p:ext uri="{386F3935-93C4-4BCD-93E2-E3B085C9AB24}">
-                <p16:designElem xmlns:p16="http://schemas.microsoft.com/office/powerpoint/2015/main" val="1"/>
-              </p:ext>
-            </p:extLst>
-          </p:nvPr>
-        </p:nvSpPr>
-        <p:spPr>
-          <a:xfrm>
-            <a:off x="641774" y="623275"/>
-            <a:ext cx="10905053" cy="5607882"/>
-          </a:xfrm>
-          <a:prstGeom prst="rect">
-            <a:avLst/>
-          </a:prstGeom>
-          <a:noFill/>
-          <a:ln w="19050">
-            <a:solidFill>
-              <a:schemeClr val="tx1">
-                <a:lumMod val="75000"/>
-                <a:lumOff val="25000"/>
-              </a:schemeClr>
-            </a:solidFill>
-          </a:ln>
-        </p:spPr>
-        <p:style>
-          <a:lnRef idx="2">
-            <a:schemeClr val="accent1">
-              <a:shade val="50000"/>
-            </a:schemeClr>
-          </a:lnRef>
-          <a:fillRef idx="1">
-            <a:schemeClr val="accent1"/>
-          </a:fillRef>
-          <a:effectRef idx="0">
-            <a:schemeClr val="accent1"/>
-          </a:effectRef>
-          <a:fontRef idx="minor">
-            <a:schemeClr val="lt1"/>
-          </a:fontRef>
-        </p:style>
-        <p:txBody>
-          <a:bodyPr rtlCol="0" anchor="ctr"/>
-          <a:lstStyle/>
-          <a:p>
-            <a:pPr algn="ctr"/>
-            <a:endParaRPr lang="en-US"/>
-          </a:p>
-        </p:txBody>
-      </p:sp>
-      <p:sp>
-        <p:nvSpPr>
-          <p:cNvPr id="2" name="Title 1">
-            <a:extLst>
-              <a:ext uri="{FF2B5EF4-FFF2-40B4-BE49-F238E27FC236}">
-                <a16:creationId xmlns:a16="http://schemas.microsoft.com/office/drawing/2014/main" id="{92378663-7A3C-FDBD-E9FD-5099C5209611}"/>
-              </a:ext>
-            </a:extLst>
-          </p:cNvPr>
-          <p:cNvSpPr>
-            <a:spLocks noGrp="1"/>
-          </p:cNvSpPr>
-          <p:nvPr>
-            <p:ph type="ctrTitle"/>
-          </p:nvPr>
-        </p:nvSpPr>
-        <p:spPr>
-          <a:xfrm>
-            <a:off x="1285241" y="1008993"/>
-            <a:ext cx="9231410" cy="3542045"/>
-          </a:xfrm>
-        </p:spPr>
-        <p:txBody>
-          <a:bodyPr anchor="b">
-            <a:normAutofit/>
-          </a:bodyPr>
-          <a:lstStyle/>
-          <a:p>
-            <a:pPr algn="l"/>
-            <a:r>
-              <a:rPr lang="en-US" sz="11500" b="1"/>
-              <a:t>Derivable 4</a:t>
-            </a:r>
-            <a:endParaRPr lang="en-US" sz="11500"/>
-          </a:p>
-        </p:txBody>
-      </p:sp>
-    </p:spTree>
-    <p:extLst>
-      <p:ext uri="{BB962C8B-B14F-4D97-AF65-F5344CB8AC3E}">
-        <p14:creationId xmlns:p14="http://schemas.microsoft.com/office/powerpoint/2010/main" val="259560804"/>
-      </p:ext>
-    </p:extLst>
-  </p:cSld>
-  <p:clrMapOvr>
-    <a:masterClrMapping/>
-  </p:clrMapOvr>
-  <p:timing>
-    <p:tnLst>
-      <p:par>
-        <p:cTn id="1" dur="indefinite" restart="never" nodeType="tmRoot">
-          <p:childTnLst>
-            <p:seq concurrent="1" nextAc="seek">
-              <p:cTn id="2" dur="indefinite" nodeType="mainSeq">
-                <p:childTnLst>
-                  <p:par>
-                    <p:cTn id="3" fill="hold">
-                      <p:stCondLst>
-                        <p:cond delay="indefinite"/>
-                        <p:cond evt="onBegin" delay="0">
-                          <p:tn val="2"/>
-                        </p:cond>
-                      </p:stCondLst>
-                      <p:childTnLst>
-                        <p:par>
-                          <p:cTn id="4" fill="hold">
-                            <p:stCondLst>
-                              <p:cond delay="0"/>
-                            </p:stCondLst>
-                            <p:childTnLst>
-                              <p:par>
-                                <p:cTn id="5" presetID="10" presetClass="entr" presetSubtype="0" fill="hold" grpId="0" nodeType="withEffect">
-                                  <p:stCondLst>
-                                    <p:cond delay="500"/>
-                                  </p:stCondLst>
-                                  <p:iterate type="lt">
-                                    <p:tmPct val="10000"/>
-                                  </p:iterate>
-                                  <p:childTnLst>
-                                    <p:set>
-                                      <p:cBhvr>
-                                        <p:cTn id="6" dur="1" fill="hold">
-                                          <p:stCondLst>
-                                            <p:cond delay="0"/>
-                                          </p:stCondLst>
-                                        </p:cTn>
-                                        <p:tgtEl>
-                                          <p:spTgt spid="2"/>
-                                        </p:tgtEl>
-                                        <p:attrNameLst>
-                                          <p:attrName>style.visibility</p:attrName>
-                                        </p:attrNameLst>
-                                      </p:cBhvr>
-                                      <p:to>
-                                        <p:strVal val="visible"/>
-                                      </p:to>
-                                    </p:set>
-                                    <p:animEffect transition="in" filter="fade">
-                                      <p:cBhvr>
-                                        <p:cTn id="7" dur="400"/>
-                                        <p:tgtEl>
-                                          <p:spTgt spid="2"/>
-                                        </p:tgtEl>
-                                      </p:cBhvr>
-                                    </p:animEffect>
-                                  </p:childTnLst>
-                                </p:cTn>
-                              </p:par>
-                            </p:childTnLst>
-                          </p:cTn>
-                        </p:par>
-                      </p:childTnLst>
-                    </p:cTn>
-                  </p:par>
-                </p:childTnLst>
-              </p:cTn>
-              <p:prevCondLst>
-                <p:cond evt="onPrev" delay="0">
-                  <p:tgtEl>
-                    <p:sldTgt/>
-                  </p:tgtEl>
-                </p:cond>
-              </p:prevCondLst>
-              <p:nextCondLst>
-                <p:cond evt="onNext" delay="0">
-                  <p:tgtEl>
-                    <p:sldTgt/>
-                  </p:tgtEl>
-                </p:cond>
-              </p:nextCondLst>
-            </p:seq>
-          </p:childTnLst>
-        </p:cTn>
-      </p:par>
-    </p:tnLst>
-    <p:bldLst>
-      <p:bldP spid="2" grpId="0"/>
-    </p:bldLst>
-  </p:timing>
-</p:sld>
-</file>
-
-<file path=ppt/slides/slide19.xml><?xml version="1.0" encoding="utf-8"?>
 <p:sld xmlns:a="http://schemas.openxmlformats.org/drawingml/2006/main" xmlns:r="http://schemas.openxmlformats.org/officeDocument/2006/relationships" xmlns:p="http://schemas.openxmlformats.org/presentationml/2006/main">
   <p:cSld>
     <p:bg>
@@ -9521,7 +9165,7 @@
           <p:cNvPr id="2" name="Title 1">
             <a:extLst>
               <a:ext uri="{FF2B5EF4-FFF2-40B4-BE49-F238E27FC236}">
-                <a16:creationId xmlns:a16="http://schemas.microsoft.com/office/drawing/2014/main" id="{D3162330-4E42-6670-C583-D12C4DD8138C}"/>
+                <a16:creationId xmlns:a16="http://schemas.microsoft.com/office/drawing/2014/main" id="{C879CB5E-72BC-3378-7E27-EB5FB2B4CD7D}"/>
               </a:ext>
             </a:extLst>
           </p:cNvPr>
@@ -9546,7 +9190,7 @@
           <a:p>
             <a:r>
               <a:rPr lang="en-US" sz="4800"/>
-              <a:t>Haamdah </a:t>
+              <a:t>Shaimaa</a:t>
             </a:r>
           </a:p>
         </p:txBody>
@@ -9556,7 +9200,7 @@
           <p:cNvPr id="3" name="Content Placeholder 2">
             <a:extLst>
               <a:ext uri="{FF2B5EF4-FFF2-40B4-BE49-F238E27FC236}">
-                <a16:creationId xmlns:a16="http://schemas.microsoft.com/office/drawing/2014/main" id="{CF0304FB-655C-AEC0-7F77-293C7A33DF48}"/>
+                <a16:creationId xmlns:a16="http://schemas.microsoft.com/office/drawing/2014/main" id="{1E041908-C3BA-8F43-5066-9CD67AB7332E}"/>
               </a:ext>
             </a:extLst>
           </p:cNvPr>
@@ -9575,13 +9219,13 @@
         </p:spPr>
         <p:txBody>
           <a:bodyPr anchor="ctr">
-            <a:normAutofit fontScale="92500" lnSpcReduction="10000"/>
+            <a:normAutofit/>
           </a:bodyPr>
           <a:lstStyle/>
           <a:p>
             <a:r>
               <a:rPr lang="en-US" dirty="0"/>
-              <a:t>Our team collaborated each one by creating a GitHub repository and uploading all project files in Deliverable 4. We swept through these learning sessions as a group, assisting each other in understanding how to install Git, link it to GitHub, and structure the directories neatly. The implementation of commands of Git was a hands-on training of how version controlling operates in real scenarios. The teamwork made it all less cumbersome and at the same time we got to know how online code management is done by teams.</a:t>
+              <a:t>During the third deliverable, the group wrote Python code for developing regression, classification, and clustering models. We were coding together, and each clarified the results of the others as a team. This enabled us to grasp the functioning of machine-learning models and the interpretation of their outputs. Collaborative effort not only made the tasks simpler but also enhanced our technical skills.</a:t>
             </a:r>
           </a:p>
         </p:txBody>
@@ -9641,7 +9285,7 @@
     </p:spTree>
     <p:extLst>
       <p:ext uri="{BB962C8B-B14F-4D97-AF65-F5344CB8AC3E}">
-        <p14:creationId xmlns:p14="http://schemas.microsoft.com/office/powerpoint/2010/main" val="3354582543"/>
+        <p14:creationId xmlns:p14="http://schemas.microsoft.com/office/powerpoint/2010/main" val="3176010254"/>
       </p:ext>
     </p:extLst>
   </p:cSld>
@@ -9651,7 +9295,7 @@
 </p:sld>
 </file>
 
-<file path=ppt/slides/slide2.xml><?xml version="1.0" encoding="utf-8"?>
+<file path=ppt/slides/slide19.xml><?xml version="1.0" encoding="utf-8"?>
 <p:sld xmlns:a="http://schemas.openxmlformats.org/drawingml/2006/main" xmlns:r="http://schemas.openxmlformats.org/officeDocument/2006/relationships" xmlns:p="http://schemas.openxmlformats.org/presentationml/2006/main">
   <p:cSld>
     <p:bg>
@@ -9664,7 +9308,13 @@
     </p:bg>
     <p:spTree>
       <p:nvGrpSpPr>
-        <p:cNvPr id="1" name=""/>
+        <p:cNvPr id="1" name="">
+          <a:extLst>
+            <a:ext uri="{FF2B5EF4-FFF2-40B4-BE49-F238E27FC236}">
+              <a16:creationId xmlns:a16="http://schemas.microsoft.com/office/drawing/2014/main" id="{65BADA67-2E6A-AB4F-13E0-2AECF7C5062B}"/>
+            </a:ext>
+          </a:extLst>
+        </p:cNvPr>
         <p:cNvGrpSpPr/>
         <p:nvPr/>
       </p:nvGrpSpPr>
@@ -9678,10 +9328,10 @@
       </p:grpSpPr>
       <p:sp useBgFill="1">
         <p:nvSpPr>
-          <p:cNvPr id="27" name="Rectangle 26">
-            <a:extLst>
-              <a:ext uri="{FF2B5EF4-FFF2-40B4-BE49-F238E27FC236}">
-                <a16:creationId xmlns:a16="http://schemas.microsoft.com/office/drawing/2014/main" id="{081EA652-8C6A-4E69-BEB9-170809474553}"/>
+          <p:cNvPr id="7" name="Rectangle 6">
+            <a:extLst>
+              <a:ext uri="{FF2B5EF4-FFF2-40B4-BE49-F238E27FC236}">
+                <a16:creationId xmlns:a16="http://schemas.microsoft.com/office/drawing/2014/main" id="{934F1179-B481-4F9E-BCA3-AFB972070F83}"/>
               </a:ext>
               <a:ext uri="{C183D7F6-B498-43B3-948B-1728B52AA6E4}">
                 <adec:decorative xmlns:adec="http://schemas.microsoft.com/office/drawing/2017/decorative" val="1"/>
@@ -9732,16 +9382,16 @@
           <a:lstStyle/>
           <a:p>
             <a:pPr algn="ctr"/>
-            <a:endParaRPr lang="en-US" dirty="0"/>
+            <a:endParaRPr lang="en-US"/>
           </a:p>
         </p:txBody>
       </p:sp>
       <p:sp>
         <p:nvSpPr>
-          <p:cNvPr id="29" name="Right Triangle 28">
-            <a:extLst>
-              <a:ext uri="{FF2B5EF4-FFF2-40B4-BE49-F238E27FC236}">
-                <a16:creationId xmlns:a16="http://schemas.microsoft.com/office/drawing/2014/main" id="{5298780A-33B9-4EA2-8F67-DE68AD62841B}"/>
+          <p:cNvPr id="9" name="Right Triangle 8">
+            <a:extLst>
+              <a:ext uri="{FF2B5EF4-FFF2-40B4-BE49-F238E27FC236}">
+                <a16:creationId xmlns:a16="http://schemas.microsoft.com/office/drawing/2014/main" id="{827DC2C4-B485-428A-BF4A-472D2967F47F}"/>
               </a:ext>
               <a:ext uri="{C183D7F6-B498-43B3-948B-1728B52AA6E4}">
                 <adec:decorative xmlns:adec="http://schemas.microsoft.com/office/drawing/2017/decorative" val="1"/>
@@ -9801,10 +9451,10 @@
       </p:sp>
       <p:sp>
         <p:nvSpPr>
-          <p:cNvPr id="31" name="Rectangle 30">
-            <a:extLst>
-              <a:ext uri="{FF2B5EF4-FFF2-40B4-BE49-F238E27FC236}">
-                <a16:creationId xmlns:a16="http://schemas.microsoft.com/office/drawing/2014/main" id="{7F488E8B-4E1E-4402-8935-D4E6C02615C7}"/>
+          <p:cNvPr id="11" name="Rectangle 10">
+            <a:extLst>
+              <a:ext uri="{FF2B5EF4-FFF2-40B4-BE49-F238E27FC236}">
+                <a16:creationId xmlns:a16="http://schemas.microsoft.com/office/drawing/2014/main" id="{EE04B5EB-F158-4507-90DD-BD23620C7CC9}"/>
               </a:ext>
               <a:ext uri="{C183D7F6-B498-43B3-948B-1728B52AA6E4}">
                 <adec:decorative xmlns:adec="http://schemas.microsoft.com/office/drawing/2017/decorative" val="1"/>
@@ -9861,69 +9511,240 @@
           <a:lstStyle/>
           <a:p>
             <a:pPr algn="ctr"/>
-            <a:endParaRPr lang="en-US" dirty="0"/>
+            <a:endParaRPr lang="en-US"/>
           </a:p>
         </p:txBody>
       </p:sp>
       <p:sp>
         <p:nvSpPr>
-          <p:cNvPr id="3" name="TextBox 2">
-            <a:extLst>
-              <a:ext uri="{FF2B5EF4-FFF2-40B4-BE49-F238E27FC236}">
-                <a16:creationId xmlns:a16="http://schemas.microsoft.com/office/drawing/2014/main" id="{C7D9887E-44C6-0A89-D396-52E0042D73CE}"/>
-              </a:ext>
-            </a:extLst>
-          </p:cNvPr>
-          <p:cNvSpPr txBox="1"/>
-          <p:nvPr/>
+          <p:cNvPr id="2" name="Title 1">
+            <a:extLst>
+              <a:ext uri="{FF2B5EF4-FFF2-40B4-BE49-F238E27FC236}">
+                <a16:creationId xmlns:a16="http://schemas.microsoft.com/office/drawing/2014/main" id="{92378663-7A3C-FDBD-E9FD-5099C5209611}"/>
+              </a:ext>
+            </a:extLst>
+          </p:cNvPr>
+          <p:cNvSpPr>
+            <a:spLocks noGrp="1"/>
+          </p:cNvSpPr>
+          <p:nvPr>
+            <p:ph type="ctrTitle"/>
+          </p:nvPr>
         </p:nvSpPr>
         <p:spPr>
           <a:xfrm>
-            <a:off x="1285240" y="2969469"/>
-            <a:ext cx="8074815" cy="2800395"/>
+            <a:off x="1285241" y="1008993"/>
+            <a:ext cx="9231410" cy="3542045"/>
           </a:xfrm>
-          <a:prstGeom prst="rect">
-            <a:avLst/>
-          </a:prstGeom>
         </p:spPr>
         <p:txBody>
-          <a:bodyPr vert="horz" lIns="91440" tIns="45720" rIns="91440" bIns="45720" rtlCol="0" anchor="t">
+          <a:bodyPr anchor="b">
             <a:normAutofit/>
           </a:bodyPr>
           <a:lstStyle/>
           <a:p>
-            <a:pPr algn="ctr">
-              <a:lnSpc>
-                <a:spcPct val="90000"/>
-              </a:lnSpc>
-              <a:spcAft>
-                <a:spcPts val="600"/>
-              </a:spcAft>
-            </a:pPr>
+            <a:pPr algn="l"/>
             <a:r>
-              <a:rPr lang="en-US" sz="2200" dirty="0"/>
-              <a:t>We are going to introduce our project, which is based on working with a real dataset, machine learning model application, and utilizing Git and GitHub for teamwork today. The entire group collaborated in getting familiar with the data, writing the code, and producing each deliverable little by little. In this presentation, our aim is to display our learning outcomes, the application of techniques, and the results we got during the project.</a:t>
+              <a:rPr lang="en-US" sz="11500" b="1"/>
+              <a:t>Derivable 4</a:t>
             </a:r>
-          </a:p>
-          <a:p>
-            <a:pPr indent="-228600">
-              <a:lnSpc>
-                <a:spcPct val="90000"/>
-              </a:lnSpc>
-              <a:spcAft>
-                <a:spcPts val="600"/>
-              </a:spcAft>
-              <a:buFont typeface="Arial" panose="020B0604020202020204" pitchFamily="34" charset="0"/>
-              <a:buChar char="•"/>
-            </a:pPr>
-            <a:endParaRPr lang="en-US" sz="2200" dirty="0"/>
+            <a:endParaRPr lang="en-US" sz="11500"/>
           </a:p>
         </p:txBody>
       </p:sp>
     </p:spTree>
     <p:extLst>
       <p:ext uri="{BB962C8B-B14F-4D97-AF65-F5344CB8AC3E}">
-        <p14:creationId xmlns:p14="http://schemas.microsoft.com/office/powerpoint/2010/main" val="272558325"/>
+        <p14:creationId xmlns:p14="http://schemas.microsoft.com/office/powerpoint/2010/main" val="259560804"/>
+      </p:ext>
+    </p:extLst>
+  </p:cSld>
+  <p:clrMapOvr>
+    <a:masterClrMapping/>
+  </p:clrMapOvr>
+  <p:timing>
+    <p:tnLst>
+      <p:par>
+        <p:cTn id="1" dur="indefinite" restart="never" nodeType="tmRoot">
+          <p:childTnLst>
+            <p:seq concurrent="1" nextAc="seek">
+              <p:cTn id="2" dur="indefinite" nodeType="mainSeq">
+                <p:childTnLst>
+                  <p:par>
+                    <p:cTn id="3" fill="hold">
+                      <p:stCondLst>
+                        <p:cond delay="indefinite"/>
+                        <p:cond evt="onBegin" delay="0">
+                          <p:tn val="2"/>
+                        </p:cond>
+                      </p:stCondLst>
+                      <p:childTnLst>
+                        <p:par>
+                          <p:cTn id="4" fill="hold">
+                            <p:stCondLst>
+                              <p:cond delay="0"/>
+                            </p:stCondLst>
+                            <p:childTnLst>
+                              <p:par>
+                                <p:cTn id="5" presetID="10" presetClass="entr" presetSubtype="0" fill="hold" grpId="0" nodeType="withEffect">
+                                  <p:stCondLst>
+                                    <p:cond delay="500"/>
+                                  </p:stCondLst>
+                                  <p:iterate type="lt">
+                                    <p:tmPct val="10000"/>
+                                  </p:iterate>
+                                  <p:childTnLst>
+                                    <p:set>
+                                      <p:cBhvr>
+                                        <p:cTn id="6" dur="1" fill="hold">
+                                          <p:stCondLst>
+                                            <p:cond delay="0"/>
+                                          </p:stCondLst>
+                                        </p:cTn>
+                                        <p:tgtEl>
+                                          <p:spTgt spid="2"/>
+                                        </p:tgtEl>
+                                        <p:attrNameLst>
+                                          <p:attrName>style.visibility</p:attrName>
+                                        </p:attrNameLst>
+                                      </p:cBhvr>
+                                      <p:to>
+                                        <p:strVal val="visible"/>
+                                      </p:to>
+                                    </p:set>
+                                    <p:animEffect transition="in" filter="fade">
+                                      <p:cBhvr>
+                                        <p:cTn id="7" dur="400"/>
+                                        <p:tgtEl>
+                                          <p:spTgt spid="2"/>
+                                        </p:tgtEl>
+                                      </p:cBhvr>
+                                    </p:animEffect>
+                                  </p:childTnLst>
+                                </p:cTn>
+                              </p:par>
+                            </p:childTnLst>
+                          </p:cTn>
+                        </p:par>
+                      </p:childTnLst>
+                    </p:cTn>
+                  </p:par>
+                </p:childTnLst>
+              </p:cTn>
+              <p:prevCondLst>
+                <p:cond evt="onPrev" delay="0">
+                  <p:tgtEl>
+                    <p:sldTgt/>
+                  </p:tgtEl>
+                </p:cond>
+              </p:prevCondLst>
+              <p:nextCondLst>
+                <p:cond evt="onNext" delay="0">
+                  <p:tgtEl>
+                    <p:sldTgt/>
+                  </p:tgtEl>
+                </p:cond>
+              </p:nextCondLst>
+            </p:seq>
+          </p:childTnLst>
+        </p:cTn>
+      </p:par>
+    </p:tnLst>
+    <p:bldLst>
+      <p:bldP spid="2" grpId="0"/>
+    </p:bldLst>
+  </p:timing>
+</p:sld>
+</file>
+
+<file path=ppt/slides/slide2.xml><?xml version="1.0" encoding="utf-8"?>
+<p:sld xmlns:a="http://schemas.openxmlformats.org/drawingml/2006/main" xmlns:r="http://schemas.openxmlformats.org/officeDocument/2006/relationships" xmlns:p="http://schemas.openxmlformats.org/presentationml/2006/main">
+  <p:cSld>
+    <p:spTree>
+      <p:nvGrpSpPr>
+        <p:cNvPr id="1" name=""/>
+        <p:cNvGrpSpPr/>
+        <p:nvPr/>
+      </p:nvGrpSpPr>
+      <p:grpSpPr>
+        <a:xfrm>
+          <a:off x="0" y="0"/>
+          <a:ext cx="0" cy="0"/>
+          <a:chOff x="0" y="0"/>
+          <a:chExt cx="0" cy="0"/>
+        </a:xfrm>
+      </p:grpSpPr>
+      <p:sp>
+        <p:nvSpPr>
+          <p:cNvPr id="2" name="Title 1">
+            <a:extLst>
+              <a:ext uri="{FF2B5EF4-FFF2-40B4-BE49-F238E27FC236}">
+                <a16:creationId xmlns:a16="http://schemas.microsoft.com/office/drawing/2014/main" id="{751D654D-654F-A783-10E1-39ECF26D5B26}"/>
+              </a:ext>
+            </a:extLst>
+          </p:cNvPr>
+          <p:cNvSpPr>
+            <a:spLocks noGrp="1"/>
+          </p:cNvSpPr>
+          <p:nvPr>
+            <p:ph type="title"/>
+          </p:nvPr>
+        </p:nvSpPr>
+        <p:spPr/>
+        <p:txBody>
+          <a:bodyPr>
+            <a:noAutofit/>
+          </a:bodyPr>
+          <a:lstStyle/>
+          <a:p>
+            <a:r>
+              <a:rPr lang="en-US" sz="3600" u="sng" dirty="0">
+                <a:hlinkClick r:id="rId2"/>
+              </a:rPr>
+              <a:t>https://github.com/h7amdahh/cancer_dataset_uae</a:t>
+            </a:r>
+            <a:r>
+              <a:rPr lang="en-AE" sz="3600" dirty="0"/>
+              <a:t> </a:t>
+            </a:r>
+            <a:br>
+              <a:rPr lang="en-US" sz="3600" dirty="0"/>
+            </a:br>
+            <a:r>
+              <a:rPr lang="en-US" sz="3600" dirty="0"/>
+              <a:t> </a:t>
+            </a:r>
+            <a:br>
+              <a:rPr lang="en-US" sz="3600" dirty="0"/>
+            </a:br>
+            <a:r>
+              <a:rPr lang="en-US" sz="3600" u="sng" dirty="0">
+                <a:hlinkClick r:id="rId3"/>
+              </a:rPr>
+              <a:t>https://www.kaggle.com/datasets</a:t>
+            </a:r>
+            <a:r>
+              <a:rPr lang="en-AE" sz="3600" dirty="0"/>
+              <a:t> </a:t>
+            </a:r>
+            <a:br>
+              <a:rPr lang="en-US" sz="3600" dirty="0"/>
+            </a:br>
+            <a:r>
+              <a:rPr lang="en-US" sz="3600" dirty="0"/>
+              <a:t> </a:t>
+            </a:r>
+            <a:br>
+              <a:rPr lang="en-US" sz="3600" dirty="0"/>
+            </a:br>
+            <a:endParaRPr lang="en-US" sz="3600" dirty="0"/>
+          </a:p>
+        </p:txBody>
+      </p:sp>
+    </p:spTree>
+    <p:extLst>
+      <p:ext uri="{BB962C8B-B14F-4D97-AF65-F5344CB8AC3E}">
+        <p14:creationId xmlns:p14="http://schemas.microsoft.com/office/powerpoint/2010/main" val="1625746641"/>
       </p:ext>
     </p:extLst>
   </p:cSld>
@@ -10305,7 +10126,7 @@
           <p:cNvPr id="2" name="Title 1">
             <a:extLst>
               <a:ext uri="{FF2B5EF4-FFF2-40B4-BE49-F238E27FC236}">
-                <a16:creationId xmlns:a16="http://schemas.microsoft.com/office/drawing/2014/main" id="{E0B53EB8-0936-C24A-9C19-0CA95ED1E4D7}"/>
+                <a16:creationId xmlns:a16="http://schemas.microsoft.com/office/drawing/2014/main" id="{D3162330-4E42-6670-C583-D12C4DD8138C}"/>
               </a:ext>
             </a:extLst>
           </p:cNvPr>
@@ -10330,7 +10151,7 @@
           <a:p>
             <a:r>
               <a:rPr lang="en-US" sz="4800"/>
-              <a:t>Maraim</a:t>
+              <a:t>Haamdah </a:t>
             </a:r>
           </a:p>
         </p:txBody>
@@ -10340,7 +10161,7 @@
           <p:cNvPr id="3" name="Content Placeholder 2">
             <a:extLst>
               <a:ext uri="{FF2B5EF4-FFF2-40B4-BE49-F238E27FC236}">
-                <a16:creationId xmlns:a16="http://schemas.microsoft.com/office/drawing/2014/main" id="{A4406C71-4731-6313-0ED4-4A95088C20CB}"/>
+                <a16:creationId xmlns:a16="http://schemas.microsoft.com/office/drawing/2014/main" id="{CF0304FB-655C-AEC0-7F77-293C7A33DF48}"/>
               </a:ext>
             </a:extLst>
           </p:cNvPr>
@@ -10359,13 +10180,13 @@
         </p:spPr>
         <p:txBody>
           <a:bodyPr anchor="ctr">
-            <a:normAutofit lnSpcReduction="10000"/>
+            <a:normAutofit fontScale="92500" lnSpcReduction="10000"/>
           </a:bodyPr>
           <a:lstStyle/>
           <a:p>
             <a:r>
               <a:rPr lang="en-US" dirty="0"/>
-              <a:t>In this deliverable, we managed to master the techniques of cloning the GitHub repository to our machines and using the commands pull and push. We collectively practiced the commands interchangeably, as a result, everybody was familiar with them. Occasionally, there were minor mistakes, but we rectified them as a group. Such collaboration was fruitful in that it enabled us to learn the accurate procedure and comprehend the transfer of files between Git and GitHub.</a:t>
+              <a:t>Our team collaborated each one by creating a GitHub repository and uploading all project files in Deliverable 4. We swept through these learning sessions as a group, assisting each other in understanding how to install Git, link it to GitHub, and structure the directories neatly. The implementation of commands of Git was a hands-on training of how version controlling operates in real scenarios. The teamwork made it all less cumbersome and at the same time we got to know how online code management is done by teams.</a:t>
             </a:r>
           </a:p>
         </p:txBody>
@@ -10425,7 +10246,7 @@
     </p:spTree>
     <p:extLst>
       <p:ext uri="{BB962C8B-B14F-4D97-AF65-F5344CB8AC3E}">
-        <p14:creationId xmlns:p14="http://schemas.microsoft.com/office/powerpoint/2010/main" val="1343796162"/>
+        <p14:creationId xmlns:p14="http://schemas.microsoft.com/office/powerpoint/2010/main" val="3354582543"/>
       </p:ext>
     </p:extLst>
   </p:cSld>
@@ -10807,7 +10628,7 @@
           <p:cNvPr id="2" name="Title 1">
             <a:extLst>
               <a:ext uri="{FF2B5EF4-FFF2-40B4-BE49-F238E27FC236}">
-                <a16:creationId xmlns:a16="http://schemas.microsoft.com/office/drawing/2014/main" id="{E6CDA916-0CF7-6AE4-A840-F2FBE366FD83}"/>
+                <a16:creationId xmlns:a16="http://schemas.microsoft.com/office/drawing/2014/main" id="{E0B53EB8-0936-C24A-9C19-0CA95ED1E4D7}"/>
               </a:ext>
             </a:extLst>
           </p:cNvPr>
@@ -10832,7 +10653,7 @@
           <a:p>
             <a:r>
               <a:rPr lang="en-US" sz="4800"/>
-              <a:t>Afra </a:t>
+              <a:t>Maraim</a:t>
             </a:r>
           </a:p>
         </p:txBody>
@@ -10842,7 +10663,7 @@
           <p:cNvPr id="3" name="Content Placeholder 2">
             <a:extLst>
               <a:ext uri="{FF2B5EF4-FFF2-40B4-BE49-F238E27FC236}">
-                <a16:creationId xmlns:a16="http://schemas.microsoft.com/office/drawing/2014/main" id="{1573FCB3-985D-3AF3-1D89-7C2D653DED6F}"/>
+                <a16:creationId xmlns:a16="http://schemas.microsoft.com/office/drawing/2014/main" id="{A4406C71-4731-6313-0ED4-4A95088C20CB}"/>
               </a:ext>
             </a:extLst>
           </p:cNvPr>
@@ -10861,13 +10682,13 @@
         </p:spPr>
         <p:txBody>
           <a:bodyPr anchor="ctr">
-            <a:normAutofit fontScale="92500" lnSpcReduction="10000"/>
+            <a:normAutofit lnSpcReduction="10000"/>
           </a:bodyPr>
           <a:lstStyle/>
           <a:p>
             <a:r>
               <a:rPr lang="en-US" dirty="0"/>
-              <a:t>In the fourth deliverable, the entire team made use of GitHub to deliver and modify the files related to the project. We were in touch with one another and assigned the different tasks in a way that every participant uploaded their respective contributions. Mastering the use of Git commands, we also got to know how the people in the field work together on one and the same project without the worry of files getting mixed up or lost. The whole process was a great help in enhancing our cooperation, planning, and tech skills.</a:t>
+              <a:t>In this deliverable, we managed to master the techniques of cloning the GitHub repository to our machines and using the commands pull and push. We collectively practiced the commands interchangeably, as a result, everybody was familiar with them. Occasionally, there were minor mistakes, but we rectified them as a group. Such collaboration was fruitful in that it enabled us to learn the accurate procedure and comprehend the transfer of files between Git and GitHub.</a:t>
             </a:r>
           </a:p>
         </p:txBody>
@@ -10927,7 +10748,7 @@
     </p:spTree>
     <p:extLst>
       <p:ext uri="{BB962C8B-B14F-4D97-AF65-F5344CB8AC3E}">
-        <p14:creationId xmlns:p14="http://schemas.microsoft.com/office/powerpoint/2010/main" val="1960650831"/>
+        <p14:creationId xmlns:p14="http://schemas.microsoft.com/office/powerpoint/2010/main" val="1343796162"/>
       </p:ext>
     </p:extLst>
   </p:cSld>
@@ -11309,7 +11130,7 @@
           <p:cNvPr id="2" name="Title 1">
             <a:extLst>
               <a:ext uri="{FF2B5EF4-FFF2-40B4-BE49-F238E27FC236}">
-                <a16:creationId xmlns:a16="http://schemas.microsoft.com/office/drawing/2014/main" id="{F51158F0-3F87-2C69-96B4-ED9718B510BE}"/>
+                <a16:creationId xmlns:a16="http://schemas.microsoft.com/office/drawing/2014/main" id="{E6CDA916-0CF7-6AE4-A840-F2FBE366FD83}"/>
               </a:ext>
             </a:extLst>
           </p:cNvPr>
@@ -11334,7 +11155,7 @@
           <a:p>
             <a:r>
               <a:rPr lang="en-US" sz="4800"/>
-              <a:t>Shaimaa</a:t>
+              <a:t>Afra </a:t>
             </a:r>
           </a:p>
         </p:txBody>
@@ -11344,7 +11165,7 @@
           <p:cNvPr id="3" name="Content Placeholder 2">
             <a:extLst>
               <a:ext uri="{FF2B5EF4-FFF2-40B4-BE49-F238E27FC236}">
-                <a16:creationId xmlns:a16="http://schemas.microsoft.com/office/drawing/2014/main" id="{1396CEDB-9D0E-63EA-B72F-EADA50373F5C}"/>
+                <a16:creationId xmlns:a16="http://schemas.microsoft.com/office/drawing/2014/main" id="{1573FCB3-985D-3AF3-1D89-7C2D653DED6F}"/>
               </a:ext>
             </a:extLst>
           </p:cNvPr>
@@ -11363,13 +11184,13 @@
         </p:spPr>
         <p:txBody>
           <a:bodyPr anchor="ctr">
-            <a:normAutofit/>
+            <a:normAutofit fontScale="92500" lnSpcReduction="10000"/>
           </a:bodyPr>
           <a:lstStyle/>
           <a:p>
             <a:r>
               <a:rPr lang="en-US" dirty="0"/>
-              <a:t>For this deliverable, our team employed Git and GitHub to perform file uploads, pulls, and pushes. We assisted one another with the procedures involved and, in the process, learnt how version control operates. Collaboration facilitated the comprehension of commands and the execution of tasks. This segment enhanced our proficiency in using Git for collaborative projects.</a:t>
+              <a:t>In the fourth deliverable, the entire team made use of GitHub to deliver and modify the files related to the project. We were in touch with one another and assigned the different tasks in a way that every participant uploaded their respective contributions. Mastering the use of Git commands, we also got to know how the people in the field work together on one and the same project without the worry of files getting mixed up or lost. The whole process was a great help in enhancing our cooperation, planning, and tech skills.</a:t>
             </a:r>
           </a:p>
         </p:txBody>
@@ -11429,7 +11250,7 @@
     </p:spTree>
     <p:extLst>
       <p:ext uri="{BB962C8B-B14F-4D97-AF65-F5344CB8AC3E}">
-        <p14:creationId xmlns:p14="http://schemas.microsoft.com/office/powerpoint/2010/main" val="1423196629"/>
+        <p14:creationId xmlns:p14="http://schemas.microsoft.com/office/powerpoint/2010/main" val="1960650831"/>
       </p:ext>
     </p:extLst>
   </p:cSld>
@@ -11466,6 +11287,508 @@
       </p:grpSpPr>
       <p:sp useBgFill="1">
         <p:nvSpPr>
+          <p:cNvPr id="8" name="Rectangle 7">
+            <a:extLst>
+              <a:ext uri="{FF2B5EF4-FFF2-40B4-BE49-F238E27FC236}">
+                <a16:creationId xmlns:a16="http://schemas.microsoft.com/office/drawing/2014/main" id="{B6CDA21F-E7AF-4C75-8395-33F58D5B0E45}"/>
+              </a:ext>
+              <a:ext uri="{C183D7F6-B498-43B3-948B-1728B52AA6E4}">
+                <adec:decorative xmlns:adec="http://schemas.microsoft.com/office/drawing/2017/decorative" val="1"/>
+              </a:ext>
+            </a:extLst>
+          </p:cNvPr>
+          <p:cNvSpPr>
+            <a:spLocks noGrp="1" noRot="1" noChangeAspect="1" noMove="1" noResize="1" noEditPoints="1" noAdjustHandles="1" noChangeArrowheads="1" noChangeShapeType="1" noTextEdit="1"/>
+          </p:cNvSpPr>
+          <p:nvPr>
+            <p:extLst>
+              <p:ext uri="{386F3935-93C4-4BCD-93E2-E3B085C9AB24}">
+                <p16:designElem xmlns:p16="http://schemas.microsoft.com/office/powerpoint/2015/main" val="1"/>
+              </p:ext>
+            </p:extLst>
+          </p:nvPr>
+        </p:nvSpPr>
+        <p:spPr>
+          <a:xfrm>
+            <a:off x="0" y="0"/>
+            <a:ext cx="12191999" cy="6857365"/>
+          </a:xfrm>
+          <a:prstGeom prst="rect">
+            <a:avLst/>
+          </a:prstGeom>
+          <a:ln>
+            <a:noFill/>
+          </a:ln>
+        </p:spPr>
+        <p:style>
+          <a:lnRef idx="2">
+            <a:schemeClr val="accent1">
+              <a:shade val="50000"/>
+            </a:schemeClr>
+          </a:lnRef>
+          <a:fillRef idx="1">
+            <a:schemeClr val="accent1"/>
+          </a:fillRef>
+          <a:effectRef idx="0">
+            <a:schemeClr val="accent1"/>
+          </a:effectRef>
+          <a:fontRef idx="minor">
+            <a:schemeClr val="lt1"/>
+          </a:fontRef>
+        </p:style>
+        <p:txBody>
+          <a:bodyPr rtlCol="0" anchor="ctr"/>
+          <a:lstStyle/>
+          <a:p>
+            <a:pPr algn="ctr"/>
+            <a:endParaRPr lang="en-US"/>
+          </a:p>
+        </p:txBody>
+      </p:sp>
+      <p:grpSp>
+        <p:nvGrpSpPr>
+          <p:cNvPr id="10" name="Group 9">
+            <a:extLst>
+              <a:ext uri="{FF2B5EF4-FFF2-40B4-BE49-F238E27FC236}">
+                <a16:creationId xmlns:a16="http://schemas.microsoft.com/office/drawing/2014/main" id="{AE1C45F0-260A-458C-96ED-C1F6D2151219}"/>
+              </a:ext>
+              <a:ext uri="{C183D7F6-B498-43B3-948B-1728B52AA6E4}">
+                <adec:decorative xmlns:adec="http://schemas.microsoft.com/office/drawing/2017/decorative" val="1"/>
+              </a:ext>
+            </a:extLst>
+          </p:cNvPr>
+          <p:cNvGrpSpPr>
+            <a:grpSpLocks noGrp="1" noUngrp="1" noRot="1" noChangeAspect="1" noMove="1" noResize="1"/>
+          </p:cNvGrpSpPr>
+          <p:nvPr>
+            <p:extLst>
+              <p:ext uri="{386F3935-93C4-4BCD-93E2-E3B085C9AB24}">
+                <p16:designElem xmlns:p16="http://schemas.microsoft.com/office/powerpoint/2015/main" val="1"/>
+              </p:ext>
+            </p:extLst>
+          </p:nvPr>
+        </p:nvGrpSpPr>
+        <p:grpSpPr>
+          <a:xfrm>
+            <a:off x="4" y="1216597"/>
+            <a:ext cx="731521" cy="673460"/>
+            <a:chOff x="3940602" y="308034"/>
+            <a:chExt cx="2116791" cy="3428999"/>
+          </a:xfrm>
+          <a:solidFill>
+            <a:schemeClr val="accent4"/>
+          </a:solidFill>
+        </p:grpSpPr>
+        <p:sp>
+          <p:nvSpPr>
+            <p:cNvPr id="11" name="Rectangle 10">
+              <a:extLst>
+                <a:ext uri="{FF2B5EF4-FFF2-40B4-BE49-F238E27FC236}">
+                  <a16:creationId xmlns:a16="http://schemas.microsoft.com/office/drawing/2014/main" id="{A6604B49-AD5C-4590-B051-06C8222ECD99}"/>
+                </a:ext>
+                <a:ext uri="{C183D7F6-B498-43B3-948B-1728B52AA6E4}">
+                  <adec:decorative xmlns:adec="http://schemas.microsoft.com/office/drawing/2017/decorative" val="1"/>
+                </a:ext>
+              </a:extLst>
+            </p:cNvPr>
+            <p:cNvSpPr/>
+            <p:nvPr>
+              <p:extLst>
+                <p:ext uri="{386F3935-93C4-4BCD-93E2-E3B085C9AB24}">
+                  <p16:designElem xmlns:p16="http://schemas.microsoft.com/office/powerpoint/2015/main" val="1"/>
+                </p:ext>
+              </p:extLst>
+            </p:nvPr>
+          </p:nvSpPr>
+          <p:spPr>
+            <a:xfrm>
+              <a:off x="3940602" y="308034"/>
+              <a:ext cx="566743" cy="3428999"/>
+            </a:xfrm>
+            <a:prstGeom prst="rect">
+              <a:avLst/>
+            </a:prstGeom>
+            <a:grpFill/>
+            <a:ln>
+              <a:noFill/>
+            </a:ln>
+          </p:spPr>
+          <p:style>
+            <a:lnRef idx="2">
+              <a:schemeClr val="accent1">
+                <a:shade val="50000"/>
+              </a:schemeClr>
+            </a:lnRef>
+            <a:fillRef idx="1">
+              <a:schemeClr val="accent1"/>
+            </a:fillRef>
+            <a:effectRef idx="0">
+              <a:schemeClr val="accent1"/>
+            </a:effectRef>
+            <a:fontRef idx="minor">
+              <a:schemeClr val="lt1"/>
+            </a:fontRef>
+          </p:style>
+          <p:txBody>
+            <a:bodyPr rtlCol="0" anchor="ctr"/>
+            <a:lstStyle/>
+            <a:p>
+              <a:pPr algn="ctr"/>
+              <a:endParaRPr lang="en-US"/>
+            </a:p>
+          </p:txBody>
+        </p:sp>
+        <p:sp>
+          <p:nvSpPr>
+            <p:cNvPr id="12" name="Rectangle 11">
+              <a:extLst>
+                <a:ext uri="{FF2B5EF4-FFF2-40B4-BE49-F238E27FC236}">
+                  <a16:creationId xmlns:a16="http://schemas.microsoft.com/office/drawing/2014/main" id="{743ECCAF-29C5-4537-947C-7EA1292463DB}"/>
+                </a:ext>
+                <a:ext uri="{C183D7F6-B498-43B3-948B-1728B52AA6E4}">
+                  <adec:decorative xmlns:adec="http://schemas.microsoft.com/office/drawing/2017/decorative" val="1"/>
+                </a:ext>
+              </a:extLst>
+            </p:cNvPr>
+            <p:cNvSpPr/>
+            <p:nvPr>
+              <p:extLst>
+                <p:ext uri="{386F3935-93C4-4BCD-93E2-E3B085C9AB24}">
+                  <p16:designElem xmlns:p16="http://schemas.microsoft.com/office/powerpoint/2015/main" val="1"/>
+                </p:ext>
+              </p:extLst>
+            </p:nvPr>
+          </p:nvSpPr>
+          <p:spPr>
+            <a:xfrm>
+              <a:off x="4715626" y="308034"/>
+              <a:ext cx="566743" cy="3428999"/>
+            </a:xfrm>
+            <a:prstGeom prst="rect">
+              <a:avLst/>
+            </a:prstGeom>
+            <a:grpFill/>
+            <a:ln>
+              <a:noFill/>
+            </a:ln>
+          </p:spPr>
+          <p:style>
+            <a:lnRef idx="2">
+              <a:schemeClr val="accent1">
+                <a:shade val="50000"/>
+              </a:schemeClr>
+            </a:lnRef>
+            <a:fillRef idx="1">
+              <a:schemeClr val="accent1"/>
+            </a:fillRef>
+            <a:effectRef idx="0">
+              <a:schemeClr val="accent1"/>
+            </a:effectRef>
+            <a:fontRef idx="minor">
+              <a:schemeClr val="lt1"/>
+            </a:fontRef>
+          </p:style>
+          <p:txBody>
+            <a:bodyPr rtlCol="0" anchor="ctr"/>
+            <a:lstStyle/>
+            <a:p>
+              <a:pPr algn="ctr"/>
+              <a:endParaRPr lang="en-US"/>
+            </a:p>
+          </p:txBody>
+        </p:sp>
+        <p:sp>
+          <p:nvSpPr>
+            <p:cNvPr id="13" name="Rectangle 12">
+              <a:extLst>
+                <a:ext uri="{FF2B5EF4-FFF2-40B4-BE49-F238E27FC236}">
+                  <a16:creationId xmlns:a16="http://schemas.microsoft.com/office/drawing/2014/main" id="{ED49787B-8DE6-4467-AD0A-8DECC6E0C2D6}"/>
+                </a:ext>
+                <a:ext uri="{C183D7F6-B498-43B3-948B-1728B52AA6E4}">
+                  <adec:decorative xmlns:adec="http://schemas.microsoft.com/office/drawing/2017/decorative" val="1"/>
+                </a:ext>
+              </a:extLst>
+            </p:cNvPr>
+            <p:cNvSpPr/>
+            <p:nvPr>
+              <p:extLst>
+                <p:ext uri="{386F3935-93C4-4BCD-93E2-E3B085C9AB24}">
+                  <p16:designElem xmlns:p16="http://schemas.microsoft.com/office/powerpoint/2015/main" val="1"/>
+                </p:ext>
+              </p:extLst>
+            </p:nvPr>
+          </p:nvSpPr>
+          <p:spPr>
+            <a:xfrm>
+              <a:off x="5490650" y="308034"/>
+              <a:ext cx="566743" cy="3428999"/>
+            </a:xfrm>
+            <a:prstGeom prst="rect">
+              <a:avLst/>
+            </a:prstGeom>
+            <a:grpFill/>
+            <a:ln>
+              <a:noFill/>
+            </a:ln>
+          </p:spPr>
+          <p:style>
+            <a:lnRef idx="2">
+              <a:schemeClr val="accent1">
+                <a:shade val="50000"/>
+              </a:schemeClr>
+            </a:lnRef>
+            <a:fillRef idx="1">
+              <a:schemeClr val="accent1"/>
+            </a:fillRef>
+            <a:effectRef idx="0">
+              <a:schemeClr val="accent1"/>
+            </a:effectRef>
+            <a:fontRef idx="minor">
+              <a:schemeClr val="lt1"/>
+            </a:fontRef>
+          </p:style>
+          <p:txBody>
+            <a:bodyPr rtlCol="0" anchor="ctr"/>
+            <a:lstStyle/>
+            <a:p>
+              <a:pPr algn="ctr"/>
+              <a:endParaRPr lang="en-US"/>
+            </a:p>
+          </p:txBody>
+        </p:sp>
+      </p:grpSp>
+      <p:sp>
+        <p:nvSpPr>
+          <p:cNvPr id="15" name="Rectangle 14">
+            <a:extLst>
+              <a:ext uri="{FF2B5EF4-FFF2-40B4-BE49-F238E27FC236}">
+                <a16:creationId xmlns:a16="http://schemas.microsoft.com/office/drawing/2014/main" id="{D5B0017B-2ECA-49AF-B397-DC140825DF8D}"/>
+              </a:ext>
+              <a:ext uri="{C183D7F6-B498-43B3-948B-1728B52AA6E4}">
+                <adec:decorative xmlns:adec="http://schemas.microsoft.com/office/drawing/2017/decorative" val="1"/>
+              </a:ext>
+            </a:extLst>
+          </p:cNvPr>
+          <p:cNvSpPr>
+            <a:spLocks noGrp="1" noRot="1" noChangeAspect="1" noMove="1" noResize="1" noEditPoints="1" noAdjustHandles="1" noChangeArrowheads="1" noChangeShapeType="1" noTextEdit="1"/>
+          </p:cNvSpPr>
+          <p:nvPr>
+            <p:extLst>
+              <p:ext uri="{386F3935-93C4-4BCD-93E2-E3B085C9AB24}">
+                <p16:designElem xmlns:p16="http://schemas.microsoft.com/office/powerpoint/2015/main" val="1"/>
+              </p:ext>
+            </p:extLst>
+          </p:nvPr>
+        </p:nvSpPr>
+        <p:spPr>
+          <a:xfrm>
+            <a:off x="640079" y="613954"/>
+            <a:ext cx="10907487" cy="1894116"/>
+          </a:xfrm>
+          <a:prstGeom prst="rect">
+            <a:avLst/>
+          </a:prstGeom>
+          <a:solidFill>
+            <a:schemeClr val="bg1"/>
+          </a:solidFill>
+          <a:ln>
+            <a:noFill/>
+          </a:ln>
+          <a:effectLst>
+            <a:outerShdw blurRad="139700" dist="127000" dir="5400000" algn="t" rotWithShape="0">
+              <a:prstClr val="black">
+                <a:alpha val="15000"/>
+              </a:prstClr>
+            </a:outerShdw>
+          </a:effectLst>
+        </p:spPr>
+        <p:style>
+          <a:lnRef idx="2">
+            <a:schemeClr val="accent1">
+              <a:shade val="50000"/>
+            </a:schemeClr>
+          </a:lnRef>
+          <a:fillRef idx="1">
+            <a:schemeClr val="accent1"/>
+          </a:fillRef>
+          <a:effectRef idx="0">
+            <a:schemeClr val="accent1"/>
+          </a:effectRef>
+          <a:fontRef idx="minor">
+            <a:schemeClr val="lt1"/>
+          </a:fontRef>
+        </p:style>
+        <p:txBody>
+          <a:bodyPr rtlCol="0" anchor="ctr"/>
+          <a:lstStyle/>
+          <a:p>
+            <a:pPr algn="ctr"/>
+            <a:endParaRPr lang="en-US"/>
+          </a:p>
+        </p:txBody>
+      </p:sp>
+      <p:sp>
+        <p:nvSpPr>
+          <p:cNvPr id="2" name="Title 1">
+            <a:extLst>
+              <a:ext uri="{FF2B5EF4-FFF2-40B4-BE49-F238E27FC236}">
+                <a16:creationId xmlns:a16="http://schemas.microsoft.com/office/drawing/2014/main" id="{F51158F0-3F87-2C69-96B4-ED9718B510BE}"/>
+              </a:ext>
+            </a:extLst>
+          </p:cNvPr>
+          <p:cNvSpPr>
+            <a:spLocks noGrp="1"/>
+          </p:cNvSpPr>
+          <p:nvPr>
+            <p:ph type="title"/>
+          </p:nvPr>
+        </p:nvSpPr>
+        <p:spPr>
+          <a:xfrm>
+            <a:off x="1043631" y="809898"/>
+            <a:ext cx="9942716" cy="1554480"/>
+          </a:xfrm>
+        </p:spPr>
+        <p:txBody>
+          <a:bodyPr anchor="ctr">
+            <a:normAutofit/>
+          </a:bodyPr>
+          <a:lstStyle/>
+          <a:p>
+            <a:r>
+              <a:rPr lang="en-US" sz="4800"/>
+              <a:t>Shaimaa</a:t>
+            </a:r>
+          </a:p>
+        </p:txBody>
+      </p:sp>
+      <p:sp>
+        <p:nvSpPr>
+          <p:cNvPr id="3" name="Content Placeholder 2">
+            <a:extLst>
+              <a:ext uri="{FF2B5EF4-FFF2-40B4-BE49-F238E27FC236}">
+                <a16:creationId xmlns:a16="http://schemas.microsoft.com/office/drawing/2014/main" id="{1396CEDB-9D0E-63EA-B72F-EADA50373F5C}"/>
+              </a:ext>
+            </a:extLst>
+          </p:cNvPr>
+          <p:cNvSpPr>
+            <a:spLocks noGrp="1"/>
+          </p:cNvSpPr>
+          <p:nvPr>
+            <p:ph idx="1"/>
+          </p:nvPr>
+        </p:nvSpPr>
+        <p:spPr>
+          <a:xfrm>
+            <a:off x="1045028" y="3017522"/>
+            <a:ext cx="9941319" cy="3124658"/>
+          </a:xfrm>
+        </p:spPr>
+        <p:txBody>
+          <a:bodyPr anchor="ctr">
+            <a:normAutofit/>
+          </a:bodyPr>
+          <a:lstStyle/>
+          <a:p>
+            <a:r>
+              <a:rPr lang="en-US" dirty="0"/>
+              <a:t>For this deliverable, our team employed Git and GitHub to perform file uploads, pulls, and pushes. We assisted one another with the procedures involved and, in the process, learnt how version control operates. Collaboration facilitated the comprehension of commands and the execution of tasks. This segment enhanced our proficiency in using Git for collaborative projects.</a:t>
+            </a:r>
+          </a:p>
+        </p:txBody>
+      </p:sp>
+      <p:cxnSp>
+        <p:nvCxnSpPr>
+          <p:cNvPr id="17" name="Straight Connector 16">
+            <a:extLst>
+              <a:ext uri="{FF2B5EF4-FFF2-40B4-BE49-F238E27FC236}">
+                <a16:creationId xmlns:a16="http://schemas.microsoft.com/office/drawing/2014/main" id="{6CF1BAF6-AD41-4082-B212-8A1F9A2E8779}"/>
+              </a:ext>
+              <a:ext uri="{C183D7F6-B498-43B3-948B-1728B52AA6E4}">
+                <adec:decorative xmlns:adec="http://schemas.microsoft.com/office/drawing/2017/decorative" val="1"/>
+              </a:ext>
+            </a:extLst>
+          </p:cNvPr>
+          <p:cNvCxnSpPr>
+            <a:cxnSpLocks noGrp="1" noRot="1" noChangeAspect="1" noMove="1" noResize="1" noEditPoints="1" noAdjustHandles="1" noChangeArrowheads="1" noChangeShapeType="1"/>
+          </p:cNvCxnSpPr>
+          <p:nvPr>
+            <p:extLst>
+              <p:ext uri="{386F3935-93C4-4BCD-93E2-E3B085C9AB24}">
+                <p16:designElem xmlns:p16="http://schemas.microsoft.com/office/powerpoint/2015/main" val="1"/>
+              </p:ext>
+            </p:extLst>
+          </p:nvPr>
+        </p:nvCxnSpPr>
+        <p:spPr>
+          <a:xfrm flipH="1">
+            <a:off x="838200" y="6485313"/>
+            <a:ext cx="10515600" cy="0"/>
+          </a:xfrm>
+          <a:prstGeom prst="line">
+            <a:avLst/>
+          </a:prstGeom>
+          <a:ln w="57150">
+            <a:solidFill>
+              <a:schemeClr val="accent4"/>
+            </a:solidFill>
+          </a:ln>
+        </p:spPr>
+        <p:style>
+          <a:lnRef idx="1">
+            <a:schemeClr val="accent1"/>
+          </a:lnRef>
+          <a:fillRef idx="0">
+            <a:schemeClr val="accent1"/>
+          </a:fillRef>
+          <a:effectRef idx="0">
+            <a:schemeClr val="accent1"/>
+          </a:effectRef>
+          <a:fontRef idx="minor">
+            <a:schemeClr val="tx1"/>
+          </a:fontRef>
+        </p:style>
+      </p:cxnSp>
+    </p:spTree>
+    <p:extLst>
+      <p:ext uri="{BB962C8B-B14F-4D97-AF65-F5344CB8AC3E}">
+        <p14:creationId xmlns:p14="http://schemas.microsoft.com/office/powerpoint/2010/main" val="1423196629"/>
+      </p:ext>
+    </p:extLst>
+  </p:cSld>
+  <p:clrMapOvr>
+    <a:masterClrMapping/>
+  </p:clrMapOvr>
+</p:sld>
+</file>
+
+<file path=ppt/slides/slide24.xml><?xml version="1.0" encoding="utf-8"?>
+<p:sld xmlns:a="http://schemas.openxmlformats.org/drawingml/2006/main" xmlns:r="http://schemas.openxmlformats.org/officeDocument/2006/relationships" xmlns:p="http://schemas.openxmlformats.org/presentationml/2006/main">
+  <p:cSld>
+    <p:bg>
+      <p:bgPr>
+        <a:solidFill>
+          <a:schemeClr val="bg1"/>
+        </a:solidFill>
+        <a:effectLst/>
+      </p:bgPr>
+    </p:bg>
+    <p:spTree>
+      <p:nvGrpSpPr>
+        <p:cNvPr id="1" name=""/>
+        <p:cNvGrpSpPr/>
+        <p:nvPr/>
+      </p:nvGrpSpPr>
+      <p:grpSpPr>
+        <a:xfrm>
+          <a:off x="0" y="0"/>
+          <a:ext cx="0" cy="0"/>
+          <a:chOff x="0" y="0"/>
+          <a:chExt cx="0" cy="0"/>
+        </a:xfrm>
+      </p:grpSpPr>
+      <p:sp useBgFill="1">
+        <p:nvSpPr>
           <p:cNvPr id="27" name="Rectangle 26">
             <a:extLst>
               <a:ext uri="{FF2B5EF4-FFF2-40B4-BE49-F238E27FC236}">
@@ -11708,6 +12031,288 @@
 </file>
 
 <file path=ppt/slides/slide3.xml><?xml version="1.0" encoding="utf-8"?>
+<p:sld xmlns:a="http://schemas.openxmlformats.org/drawingml/2006/main" xmlns:r="http://schemas.openxmlformats.org/officeDocument/2006/relationships" xmlns:p="http://schemas.openxmlformats.org/presentationml/2006/main">
+  <p:cSld>
+    <p:bg>
+      <p:bgPr>
+        <a:solidFill>
+          <a:schemeClr val="bg1"/>
+        </a:solidFill>
+        <a:effectLst/>
+      </p:bgPr>
+    </p:bg>
+    <p:spTree>
+      <p:nvGrpSpPr>
+        <p:cNvPr id="1" name=""/>
+        <p:cNvGrpSpPr/>
+        <p:nvPr/>
+      </p:nvGrpSpPr>
+      <p:grpSpPr>
+        <a:xfrm>
+          <a:off x="0" y="0"/>
+          <a:ext cx="0" cy="0"/>
+          <a:chOff x="0" y="0"/>
+          <a:chExt cx="0" cy="0"/>
+        </a:xfrm>
+      </p:grpSpPr>
+      <p:sp useBgFill="1">
+        <p:nvSpPr>
+          <p:cNvPr id="27" name="Rectangle 26">
+            <a:extLst>
+              <a:ext uri="{FF2B5EF4-FFF2-40B4-BE49-F238E27FC236}">
+                <a16:creationId xmlns:a16="http://schemas.microsoft.com/office/drawing/2014/main" id="{081EA652-8C6A-4E69-BEB9-170809474553}"/>
+              </a:ext>
+              <a:ext uri="{C183D7F6-B498-43B3-948B-1728B52AA6E4}">
+                <adec:decorative xmlns:adec="http://schemas.microsoft.com/office/drawing/2017/decorative" val="1"/>
+              </a:ext>
+            </a:extLst>
+          </p:cNvPr>
+          <p:cNvSpPr>
+            <a:spLocks noGrp="1" noRot="1" noChangeAspect="1" noMove="1" noResize="1" noEditPoints="1" noAdjustHandles="1" noChangeArrowheads="1" noChangeShapeType="1" noTextEdit="1"/>
+          </p:cNvSpPr>
+          <p:nvPr>
+            <p:extLst>
+              <p:ext uri="{386F3935-93C4-4BCD-93E2-E3B085C9AB24}">
+                <p16:designElem xmlns:p16="http://schemas.microsoft.com/office/powerpoint/2015/main" val="1"/>
+              </p:ext>
+            </p:extLst>
+          </p:nvPr>
+        </p:nvSpPr>
+        <p:spPr>
+          <a:xfrm>
+            <a:off x="0" y="0"/>
+            <a:ext cx="12192000" cy="6858000"/>
+          </a:xfrm>
+          <a:prstGeom prst="rect">
+            <a:avLst/>
+          </a:prstGeom>
+          <a:ln>
+            <a:noFill/>
+          </a:ln>
+        </p:spPr>
+        <p:style>
+          <a:lnRef idx="2">
+            <a:schemeClr val="accent1">
+              <a:shade val="50000"/>
+            </a:schemeClr>
+          </a:lnRef>
+          <a:fillRef idx="1">
+            <a:schemeClr val="accent1"/>
+          </a:fillRef>
+          <a:effectRef idx="0">
+            <a:schemeClr val="accent1"/>
+          </a:effectRef>
+          <a:fontRef idx="minor">
+            <a:schemeClr val="lt1"/>
+          </a:fontRef>
+        </p:style>
+        <p:txBody>
+          <a:bodyPr rtlCol="0" anchor="ctr"/>
+          <a:lstStyle/>
+          <a:p>
+            <a:pPr algn="ctr"/>
+            <a:endParaRPr lang="en-US" dirty="0"/>
+          </a:p>
+        </p:txBody>
+      </p:sp>
+      <p:sp>
+        <p:nvSpPr>
+          <p:cNvPr id="29" name="Right Triangle 28">
+            <a:extLst>
+              <a:ext uri="{FF2B5EF4-FFF2-40B4-BE49-F238E27FC236}">
+                <a16:creationId xmlns:a16="http://schemas.microsoft.com/office/drawing/2014/main" id="{5298780A-33B9-4EA2-8F67-DE68AD62841B}"/>
+              </a:ext>
+              <a:ext uri="{C183D7F6-B498-43B3-948B-1728B52AA6E4}">
+                <adec:decorative xmlns:adec="http://schemas.microsoft.com/office/drawing/2017/decorative" val="1"/>
+              </a:ext>
+            </a:extLst>
+          </p:cNvPr>
+          <p:cNvSpPr>
+            <a:spLocks noGrp="1" noRot="1" noChangeAspect="1" noMove="1" noResize="1" noEditPoints="1" noAdjustHandles="1" noChangeArrowheads="1" noChangeShapeType="1" noTextEdit="1"/>
+          </p:cNvSpPr>
+          <p:nvPr>
+            <p:extLst>
+              <p:ext uri="{386F3935-93C4-4BCD-93E2-E3B085C9AB24}">
+                <p16:designElem xmlns:p16="http://schemas.microsoft.com/office/powerpoint/2015/main" val="1"/>
+              </p:ext>
+            </p:extLst>
+          </p:nvPr>
+        </p:nvSpPr>
+        <p:spPr>
+          <a:xfrm flipH="1">
+            <a:off x="8576720" y="3335867"/>
+            <a:ext cx="3291840" cy="3200400"/>
+          </a:xfrm>
+          <a:prstGeom prst="rtTriangle">
+            <a:avLst/>
+          </a:prstGeom>
+          <a:solidFill>
+            <a:schemeClr val="accent4"/>
+          </a:solidFill>
+          <a:ln>
+            <a:noFill/>
+          </a:ln>
+        </p:spPr>
+        <p:style>
+          <a:lnRef idx="2">
+            <a:schemeClr val="accent1">
+              <a:shade val="50000"/>
+            </a:schemeClr>
+          </a:lnRef>
+          <a:fillRef idx="1">
+            <a:schemeClr val="accent1"/>
+          </a:fillRef>
+          <a:effectRef idx="0">
+            <a:schemeClr val="accent1"/>
+          </a:effectRef>
+          <a:fontRef idx="minor">
+            <a:schemeClr val="lt1"/>
+          </a:fontRef>
+        </p:style>
+        <p:txBody>
+          <a:bodyPr rtlCol="0" anchor="ctr"/>
+          <a:lstStyle/>
+          <a:p>
+            <a:pPr algn="ctr"/>
+            <a:endParaRPr lang="en-US" dirty="0"/>
+          </a:p>
+        </p:txBody>
+      </p:sp>
+      <p:sp>
+        <p:nvSpPr>
+          <p:cNvPr id="31" name="Rectangle 30">
+            <a:extLst>
+              <a:ext uri="{FF2B5EF4-FFF2-40B4-BE49-F238E27FC236}">
+                <a16:creationId xmlns:a16="http://schemas.microsoft.com/office/drawing/2014/main" id="{7F488E8B-4E1E-4402-8935-D4E6C02615C7}"/>
+              </a:ext>
+              <a:ext uri="{C183D7F6-B498-43B3-948B-1728B52AA6E4}">
+                <adec:decorative xmlns:adec="http://schemas.microsoft.com/office/drawing/2017/decorative" val="1"/>
+              </a:ext>
+            </a:extLst>
+          </p:cNvPr>
+          <p:cNvSpPr>
+            <a:spLocks noGrp="1" noRot="1" noChangeAspect="1" noMove="1" noResize="1" noEditPoints="1" noAdjustHandles="1" noChangeArrowheads="1" noChangeShapeType="1" noTextEdit="1"/>
+          </p:cNvSpPr>
+          <p:nvPr>
+            <p:extLst>
+              <p:ext uri="{386F3935-93C4-4BCD-93E2-E3B085C9AB24}">
+                <p16:designElem xmlns:p16="http://schemas.microsoft.com/office/powerpoint/2015/main" val="1"/>
+              </p:ext>
+            </p:extLst>
+          </p:nvPr>
+        </p:nvSpPr>
+        <p:spPr>
+          <a:xfrm>
+            <a:off x="641774" y="623275"/>
+            <a:ext cx="10905053" cy="5607882"/>
+          </a:xfrm>
+          <a:prstGeom prst="rect">
+            <a:avLst/>
+          </a:prstGeom>
+          <a:noFill/>
+          <a:ln w="19050">
+            <a:solidFill>
+              <a:schemeClr val="tx1">
+                <a:lumMod val="75000"/>
+                <a:lumOff val="25000"/>
+              </a:schemeClr>
+            </a:solidFill>
+          </a:ln>
+        </p:spPr>
+        <p:style>
+          <a:lnRef idx="2">
+            <a:schemeClr val="accent1">
+              <a:shade val="50000"/>
+            </a:schemeClr>
+          </a:lnRef>
+          <a:fillRef idx="1">
+            <a:schemeClr val="accent1"/>
+          </a:fillRef>
+          <a:effectRef idx="0">
+            <a:schemeClr val="accent1"/>
+          </a:effectRef>
+          <a:fontRef idx="minor">
+            <a:schemeClr val="lt1"/>
+          </a:fontRef>
+        </p:style>
+        <p:txBody>
+          <a:bodyPr rtlCol="0" anchor="ctr"/>
+          <a:lstStyle/>
+          <a:p>
+            <a:pPr algn="ctr"/>
+            <a:endParaRPr lang="en-US" dirty="0"/>
+          </a:p>
+        </p:txBody>
+      </p:sp>
+      <p:sp>
+        <p:nvSpPr>
+          <p:cNvPr id="3" name="TextBox 2">
+            <a:extLst>
+              <a:ext uri="{FF2B5EF4-FFF2-40B4-BE49-F238E27FC236}">
+                <a16:creationId xmlns:a16="http://schemas.microsoft.com/office/drawing/2014/main" id="{C7D9887E-44C6-0A89-D396-52E0042D73CE}"/>
+              </a:ext>
+            </a:extLst>
+          </p:cNvPr>
+          <p:cNvSpPr txBox="1"/>
+          <p:nvPr/>
+        </p:nvSpPr>
+        <p:spPr>
+          <a:xfrm>
+            <a:off x="1285240" y="2969469"/>
+            <a:ext cx="8074815" cy="2800395"/>
+          </a:xfrm>
+          <a:prstGeom prst="rect">
+            <a:avLst/>
+          </a:prstGeom>
+        </p:spPr>
+        <p:txBody>
+          <a:bodyPr vert="horz" lIns="91440" tIns="45720" rIns="91440" bIns="45720" rtlCol="0" anchor="t">
+            <a:normAutofit/>
+          </a:bodyPr>
+          <a:lstStyle/>
+          <a:p>
+            <a:pPr algn="ctr">
+              <a:lnSpc>
+                <a:spcPct val="90000"/>
+              </a:lnSpc>
+              <a:spcAft>
+                <a:spcPts val="600"/>
+              </a:spcAft>
+            </a:pPr>
+            <a:r>
+              <a:rPr lang="en-US" sz="2200" dirty="0"/>
+              <a:t>We are going to introduce our project, which is based on working with a real dataset, machine learning model application, and utilizing Git and GitHub for teamwork today. The entire group collaborated in getting familiar with the data, writing the code, and producing each deliverable little by little. In this presentation, our aim is to display our learning outcomes, the application of techniques, and the results we got during the project.</a:t>
+            </a:r>
+          </a:p>
+          <a:p>
+            <a:pPr indent="-228600">
+              <a:lnSpc>
+                <a:spcPct val="90000"/>
+              </a:lnSpc>
+              <a:spcAft>
+                <a:spcPts val="600"/>
+              </a:spcAft>
+              <a:buFont typeface="Arial" panose="020B0604020202020204" pitchFamily="34" charset="0"/>
+              <a:buChar char="•"/>
+            </a:pPr>
+            <a:endParaRPr lang="en-US" sz="2200" dirty="0"/>
+          </a:p>
+        </p:txBody>
+      </p:sp>
+    </p:spTree>
+    <p:extLst>
+      <p:ext uri="{BB962C8B-B14F-4D97-AF65-F5344CB8AC3E}">
+        <p14:creationId xmlns:p14="http://schemas.microsoft.com/office/powerpoint/2010/main" val="272558325"/>
+      </p:ext>
+    </p:extLst>
+  </p:cSld>
+  <p:clrMapOvr>
+    <a:masterClrMapping/>
+  </p:clrMapOvr>
+</p:sld>
+</file>
+
+<file path=ppt/slides/slide4.xml><?xml version="1.0" encoding="utf-8"?>
 <p:sld xmlns:a="http://schemas.openxmlformats.org/drawingml/2006/main" xmlns:r="http://schemas.openxmlformats.org/officeDocument/2006/relationships" xmlns:p="http://schemas.openxmlformats.org/presentationml/2006/main">
   <p:cSld>
     <p:bg>
@@ -12063,7 +12668,7 @@
 </p:sld>
 </file>
 
-<file path=ppt/slides/slide4.xml><?xml version="1.0" encoding="utf-8"?>
+<file path=ppt/slides/slide5.xml><?xml version="1.0" encoding="utf-8"?>
 <p:sld xmlns:a="http://schemas.openxmlformats.org/drawingml/2006/main" xmlns:r="http://schemas.openxmlformats.org/officeDocument/2006/relationships" xmlns:p="http://schemas.openxmlformats.org/presentationml/2006/main">
   <p:cSld>
     <p:bg>
@@ -12573,7 +13178,7 @@
 </p:sld>
 </file>
 
-<file path=ppt/slides/slide5.xml><?xml version="1.0" encoding="utf-8"?>
+<file path=ppt/slides/slide6.xml><?xml version="1.0" encoding="utf-8"?>
 <p:sld xmlns:a="http://schemas.openxmlformats.org/drawingml/2006/main" xmlns:r="http://schemas.openxmlformats.org/officeDocument/2006/relationships" xmlns:p="http://schemas.openxmlformats.org/presentationml/2006/main">
   <p:cSld>
     <p:bg>
@@ -13075,7 +13680,7 @@
 </p:sld>
 </file>
 
-<file path=ppt/slides/slide6.xml><?xml version="1.0" encoding="utf-8"?>
+<file path=ppt/slides/slide7.xml><?xml version="1.0" encoding="utf-8"?>
 <p:sld xmlns:a="http://schemas.openxmlformats.org/drawingml/2006/main" xmlns:r="http://schemas.openxmlformats.org/officeDocument/2006/relationships" xmlns:p="http://schemas.openxmlformats.org/presentationml/2006/main">
   <p:cSld>
     <p:bg>
@@ -13577,7 +14182,7 @@
 </p:sld>
 </file>
 
-<file path=ppt/slides/slide7.xml><?xml version="1.0" encoding="utf-8"?>
+<file path=ppt/slides/slide8.xml><?xml version="1.0" encoding="utf-8"?>
 <p:sld xmlns:a="http://schemas.openxmlformats.org/drawingml/2006/main" xmlns:r="http://schemas.openxmlformats.org/officeDocument/2006/relationships" xmlns:p="http://schemas.openxmlformats.org/presentationml/2006/main">
   <p:cSld>
     <p:bg>
@@ -14079,7 +14684,7 @@
 </p:sld>
 </file>
 
-<file path=ppt/slides/slide8.xml><?xml version="1.0" encoding="utf-8"?>
+<file path=ppt/slides/slide9.xml><?xml version="1.0" encoding="utf-8"?>
 <p:sld xmlns:a="http://schemas.openxmlformats.org/drawingml/2006/main" xmlns:r="http://schemas.openxmlformats.org/officeDocument/2006/relationships" xmlns:p="http://schemas.openxmlformats.org/presentationml/2006/main">
   <p:cSld>
     <p:bg>
@@ -14438,508 +15043,6 @@
       <p:bldP spid="2" grpId="0"/>
     </p:bldLst>
   </p:timing>
-</p:sld>
-</file>
-
-<file path=ppt/slides/slide9.xml><?xml version="1.0" encoding="utf-8"?>
-<p:sld xmlns:a="http://schemas.openxmlformats.org/drawingml/2006/main" xmlns:r="http://schemas.openxmlformats.org/officeDocument/2006/relationships" xmlns:p="http://schemas.openxmlformats.org/presentationml/2006/main">
-  <p:cSld>
-    <p:bg>
-      <p:bgPr>
-        <a:solidFill>
-          <a:schemeClr val="bg1"/>
-        </a:solidFill>
-        <a:effectLst/>
-      </p:bgPr>
-    </p:bg>
-    <p:spTree>
-      <p:nvGrpSpPr>
-        <p:cNvPr id="1" name=""/>
-        <p:cNvGrpSpPr/>
-        <p:nvPr/>
-      </p:nvGrpSpPr>
-      <p:grpSpPr>
-        <a:xfrm>
-          <a:off x="0" y="0"/>
-          <a:ext cx="0" cy="0"/>
-          <a:chOff x="0" y="0"/>
-          <a:chExt cx="0" cy="0"/>
-        </a:xfrm>
-      </p:grpSpPr>
-      <p:sp useBgFill="1">
-        <p:nvSpPr>
-          <p:cNvPr id="8" name="Rectangle 7">
-            <a:extLst>
-              <a:ext uri="{FF2B5EF4-FFF2-40B4-BE49-F238E27FC236}">
-                <a16:creationId xmlns:a16="http://schemas.microsoft.com/office/drawing/2014/main" id="{B6CDA21F-E7AF-4C75-8395-33F58D5B0E45}"/>
-              </a:ext>
-              <a:ext uri="{C183D7F6-B498-43B3-948B-1728B52AA6E4}">
-                <adec:decorative xmlns:adec="http://schemas.microsoft.com/office/drawing/2017/decorative" val="1"/>
-              </a:ext>
-            </a:extLst>
-          </p:cNvPr>
-          <p:cNvSpPr>
-            <a:spLocks noGrp="1" noRot="1" noChangeAspect="1" noMove="1" noResize="1" noEditPoints="1" noAdjustHandles="1" noChangeArrowheads="1" noChangeShapeType="1" noTextEdit="1"/>
-          </p:cNvSpPr>
-          <p:nvPr>
-            <p:extLst>
-              <p:ext uri="{386F3935-93C4-4BCD-93E2-E3B085C9AB24}">
-                <p16:designElem xmlns:p16="http://schemas.microsoft.com/office/powerpoint/2015/main" val="1"/>
-              </p:ext>
-            </p:extLst>
-          </p:nvPr>
-        </p:nvSpPr>
-        <p:spPr>
-          <a:xfrm>
-            <a:off x="0" y="0"/>
-            <a:ext cx="12191999" cy="6857365"/>
-          </a:xfrm>
-          <a:prstGeom prst="rect">
-            <a:avLst/>
-          </a:prstGeom>
-          <a:ln>
-            <a:noFill/>
-          </a:ln>
-        </p:spPr>
-        <p:style>
-          <a:lnRef idx="2">
-            <a:schemeClr val="accent1">
-              <a:shade val="50000"/>
-            </a:schemeClr>
-          </a:lnRef>
-          <a:fillRef idx="1">
-            <a:schemeClr val="accent1"/>
-          </a:fillRef>
-          <a:effectRef idx="0">
-            <a:schemeClr val="accent1"/>
-          </a:effectRef>
-          <a:fontRef idx="minor">
-            <a:schemeClr val="lt1"/>
-          </a:fontRef>
-        </p:style>
-        <p:txBody>
-          <a:bodyPr rtlCol="0" anchor="ctr"/>
-          <a:lstStyle/>
-          <a:p>
-            <a:pPr algn="ctr"/>
-            <a:endParaRPr lang="en-US"/>
-          </a:p>
-        </p:txBody>
-      </p:sp>
-      <p:grpSp>
-        <p:nvGrpSpPr>
-          <p:cNvPr id="10" name="Group 9">
-            <a:extLst>
-              <a:ext uri="{FF2B5EF4-FFF2-40B4-BE49-F238E27FC236}">
-                <a16:creationId xmlns:a16="http://schemas.microsoft.com/office/drawing/2014/main" id="{AE1C45F0-260A-458C-96ED-C1F6D2151219}"/>
-              </a:ext>
-              <a:ext uri="{C183D7F6-B498-43B3-948B-1728B52AA6E4}">
-                <adec:decorative xmlns:adec="http://schemas.microsoft.com/office/drawing/2017/decorative" val="1"/>
-              </a:ext>
-            </a:extLst>
-          </p:cNvPr>
-          <p:cNvGrpSpPr>
-            <a:grpSpLocks noGrp="1" noUngrp="1" noRot="1" noChangeAspect="1" noMove="1" noResize="1"/>
-          </p:cNvGrpSpPr>
-          <p:nvPr>
-            <p:extLst>
-              <p:ext uri="{386F3935-93C4-4BCD-93E2-E3B085C9AB24}">
-                <p16:designElem xmlns:p16="http://schemas.microsoft.com/office/powerpoint/2015/main" val="1"/>
-              </p:ext>
-            </p:extLst>
-          </p:nvPr>
-        </p:nvGrpSpPr>
-        <p:grpSpPr>
-          <a:xfrm>
-            <a:off x="4" y="1216597"/>
-            <a:ext cx="731521" cy="673460"/>
-            <a:chOff x="3940602" y="308034"/>
-            <a:chExt cx="2116791" cy="3428999"/>
-          </a:xfrm>
-          <a:solidFill>
-            <a:schemeClr val="accent4"/>
-          </a:solidFill>
-        </p:grpSpPr>
-        <p:sp>
-          <p:nvSpPr>
-            <p:cNvPr id="11" name="Rectangle 10">
-              <a:extLst>
-                <a:ext uri="{FF2B5EF4-FFF2-40B4-BE49-F238E27FC236}">
-                  <a16:creationId xmlns:a16="http://schemas.microsoft.com/office/drawing/2014/main" id="{A6604B49-AD5C-4590-B051-06C8222ECD99}"/>
-                </a:ext>
-                <a:ext uri="{C183D7F6-B498-43B3-948B-1728B52AA6E4}">
-                  <adec:decorative xmlns:adec="http://schemas.microsoft.com/office/drawing/2017/decorative" val="1"/>
-                </a:ext>
-              </a:extLst>
-            </p:cNvPr>
-            <p:cNvSpPr/>
-            <p:nvPr>
-              <p:extLst>
-                <p:ext uri="{386F3935-93C4-4BCD-93E2-E3B085C9AB24}">
-                  <p16:designElem xmlns:p16="http://schemas.microsoft.com/office/powerpoint/2015/main" val="1"/>
-                </p:ext>
-              </p:extLst>
-            </p:nvPr>
-          </p:nvSpPr>
-          <p:spPr>
-            <a:xfrm>
-              <a:off x="3940602" y="308034"/>
-              <a:ext cx="566743" cy="3428999"/>
-            </a:xfrm>
-            <a:prstGeom prst="rect">
-              <a:avLst/>
-            </a:prstGeom>
-            <a:grpFill/>
-            <a:ln>
-              <a:noFill/>
-            </a:ln>
-          </p:spPr>
-          <p:style>
-            <a:lnRef idx="2">
-              <a:schemeClr val="accent1">
-                <a:shade val="50000"/>
-              </a:schemeClr>
-            </a:lnRef>
-            <a:fillRef idx="1">
-              <a:schemeClr val="accent1"/>
-            </a:fillRef>
-            <a:effectRef idx="0">
-              <a:schemeClr val="accent1"/>
-            </a:effectRef>
-            <a:fontRef idx="minor">
-              <a:schemeClr val="lt1"/>
-            </a:fontRef>
-          </p:style>
-          <p:txBody>
-            <a:bodyPr rtlCol="0" anchor="ctr"/>
-            <a:lstStyle/>
-            <a:p>
-              <a:pPr algn="ctr"/>
-              <a:endParaRPr lang="en-US"/>
-            </a:p>
-          </p:txBody>
-        </p:sp>
-        <p:sp>
-          <p:nvSpPr>
-            <p:cNvPr id="12" name="Rectangle 11">
-              <a:extLst>
-                <a:ext uri="{FF2B5EF4-FFF2-40B4-BE49-F238E27FC236}">
-                  <a16:creationId xmlns:a16="http://schemas.microsoft.com/office/drawing/2014/main" id="{743ECCAF-29C5-4537-947C-7EA1292463DB}"/>
-                </a:ext>
-                <a:ext uri="{C183D7F6-B498-43B3-948B-1728B52AA6E4}">
-                  <adec:decorative xmlns:adec="http://schemas.microsoft.com/office/drawing/2017/decorative" val="1"/>
-                </a:ext>
-              </a:extLst>
-            </p:cNvPr>
-            <p:cNvSpPr/>
-            <p:nvPr>
-              <p:extLst>
-                <p:ext uri="{386F3935-93C4-4BCD-93E2-E3B085C9AB24}">
-                  <p16:designElem xmlns:p16="http://schemas.microsoft.com/office/powerpoint/2015/main" val="1"/>
-                </p:ext>
-              </p:extLst>
-            </p:nvPr>
-          </p:nvSpPr>
-          <p:spPr>
-            <a:xfrm>
-              <a:off x="4715626" y="308034"/>
-              <a:ext cx="566743" cy="3428999"/>
-            </a:xfrm>
-            <a:prstGeom prst="rect">
-              <a:avLst/>
-            </a:prstGeom>
-            <a:grpFill/>
-            <a:ln>
-              <a:noFill/>
-            </a:ln>
-          </p:spPr>
-          <p:style>
-            <a:lnRef idx="2">
-              <a:schemeClr val="accent1">
-                <a:shade val="50000"/>
-              </a:schemeClr>
-            </a:lnRef>
-            <a:fillRef idx="1">
-              <a:schemeClr val="accent1"/>
-            </a:fillRef>
-            <a:effectRef idx="0">
-              <a:schemeClr val="accent1"/>
-            </a:effectRef>
-            <a:fontRef idx="minor">
-              <a:schemeClr val="lt1"/>
-            </a:fontRef>
-          </p:style>
-          <p:txBody>
-            <a:bodyPr rtlCol="0" anchor="ctr"/>
-            <a:lstStyle/>
-            <a:p>
-              <a:pPr algn="ctr"/>
-              <a:endParaRPr lang="en-US"/>
-            </a:p>
-          </p:txBody>
-        </p:sp>
-        <p:sp>
-          <p:nvSpPr>
-            <p:cNvPr id="13" name="Rectangle 12">
-              <a:extLst>
-                <a:ext uri="{FF2B5EF4-FFF2-40B4-BE49-F238E27FC236}">
-                  <a16:creationId xmlns:a16="http://schemas.microsoft.com/office/drawing/2014/main" id="{ED49787B-8DE6-4467-AD0A-8DECC6E0C2D6}"/>
-                </a:ext>
-                <a:ext uri="{C183D7F6-B498-43B3-948B-1728B52AA6E4}">
-                  <adec:decorative xmlns:adec="http://schemas.microsoft.com/office/drawing/2017/decorative" val="1"/>
-                </a:ext>
-              </a:extLst>
-            </p:cNvPr>
-            <p:cNvSpPr/>
-            <p:nvPr>
-              <p:extLst>
-                <p:ext uri="{386F3935-93C4-4BCD-93E2-E3B085C9AB24}">
-                  <p16:designElem xmlns:p16="http://schemas.microsoft.com/office/powerpoint/2015/main" val="1"/>
-                </p:ext>
-              </p:extLst>
-            </p:nvPr>
-          </p:nvSpPr>
-          <p:spPr>
-            <a:xfrm>
-              <a:off x="5490650" y="308034"/>
-              <a:ext cx="566743" cy="3428999"/>
-            </a:xfrm>
-            <a:prstGeom prst="rect">
-              <a:avLst/>
-            </a:prstGeom>
-            <a:grpFill/>
-            <a:ln>
-              <a:noFill/>
-            </a:ln>
-          </p:spPr>
-          <p:style>
-            <a:lnRef idx="2">
-              <a:schemeClr val="accent1">
-                <a:shade val="50000"/>
-              </a:schemeClr>
-            </a:lnRef>
-            <a:fillRef idx="1">
-              <a:schemeClr val="accent1"/>
-            </a:fillRef>
-            <a:effectRef idx="0">
-              <a:schemeClr val="accent1"/>
-            </a:effectRef>
-            <a:fontRef idx="minor">
-              <a:schemeClr val="lt1"/>
-            </a:fontRef>
-          </p:style>
-          <p:txBody>
-            <a:bodyPr rtlCol="0" anchor="ctr"/>
-            <a:lstStyle/>
-            <a:p>
-              <a:pPr algn="ctr"/>
-              <a:endParaRPr lang="en-US"/>
-            </a:p>
-          </p:txBody>
-        </p:sp>
-      </p:grpSp>
-      <p:sp>
-        <p:nvSpPr>
-          <p:cNvPr id="15" name="Rectangle 14">
-            <a:extLst>
-              <a:ext uri="{FF2B5EF4-FFF2-40B4-BE49-F238E27FC236}">
-                <a16:creationId xmlns:a16="http://schemas.microsoft.com/office/drawing/2014/main" id="{D5B0017B-2ECA-49AF-B397-DC140825DF8D}"/>
-              </a:ext>
-              <a:ext uri="{C183D7F6-B498-43B3-948B-1728B52AA6E4}">
-                <adec:decorative xmlns:adec="http://schemas.microsoft.com/office/drawing/2017/decorative" val="1"/>
-              </a:ext>
-            </a:extLst>
-          </p:cNvPr>
-          <p:cNvSpPr>
-            <a:spLocks noGrp="1" noRot="1" noChangeAspect="1" noMove="1" noResize="1" noEditPoints="1" noAdjustHandles="1" noChangeArrowheads="1" noChangeShapeType="1" noTextEdit="1"/>
-          </p:cNvSpPr>
-          <p:nvPr>
-            <p:extLst>
-              <p:ext uri="{386F3935-93C4-4BCD-93E2-E3B085C9AB24}">
-                <p16:designElem xmlns:p16="http://schemas.microsoft.com/office/powerpoint/2015/main" val="1"/>
-              </p:ext>
-            </p:extLst>
-          </p:nvPr>
-        </p:nvSpPr>
-        <p:spPr>
-          <a:xfrm>
-            <a:off x="640079" y="613954"/>
-            <a:ext cx="10907487" cy="1894116"/>
-          </a:xfrm>
-          <a:prstGeom prst="rect">
-            <a:avLst/>
-          </a:prstGeom>
-          <a:solidFill>
-            <a:schemeClr val="bg1"/>
-          </a:solidFill>
-          <a:ln>
-            <a:noFill/>
-          </a:ln>
-          <a:effectLst>
-            <a:outerShdw blurRad="139700" dist="127000" dir="5400000" algn="t" rotWithShape="0">
-              <a:prstClr val="black">
-                <a:alpha val="15000"/>
-              </a:prstClr>
-            </a:outerShdw>
-          </a:effectLst>
-        </p:spPr>
-        <p:style>
-          <a:lnRef idx="2">
-            <a:schemeClr val="accent1">
-              <a:shade val="50000"/>
-            </a:schemeClr>
-          </a:lnRef>
-          <a:fillRef idx="1">
-            <a:schemeClr val="accent1"/>
-          </a:fillRef>
-          <a:effectRef idx="0">
-            <a:schemeClr val="accent1"/>
-          </a:effectRef>
-          <a:fontRef idx="minor">
-            <a:schemeClr val="lt1"/>
-          </a:fontRef>
-        </p:style>
-        <p:txBody>
-          <a:bodyPr rtlCol="0" anchor="ctr"/>
-          <a:lstStyle/>
-          <a:p>
-            <a:pPr algn="ctr"/>
-            <a:endParaRPr lang="en-US"/>
-          </a:p>
-        </p:txBody>
-      </p:sp>
-      <p:sp>
-        <p:nvSpPr>
-          <p:cNvPr id="2" name="Title 1">
-            <a:extLst>
-              <a:ext uri="{FF2B5EF4-FFF2-40B4-BE49-F238E27FC236}">
-                <a16:creationId xmlns:a16="http://schemas.microsoft.com/office/drawing/2014/main" id="{F52DDF94-F50C-C450-2AD0-745A6182D5B0}"/>
-              </a:ext>
-            </a:extLst>
-          </p:cNvPr>
-          <p:cNvSpPr>
-            <a:spLocks noGrp="1"/>
-          </p:cNvSpPr>
-          <p:nvPr>
-            <p:ph type="title"/>
-          </p:nvPr>
-        </p:nvSpPr>
-        <p:spPr>
-          <a:xfrm>
-            <a:off x="1043631" y="809898"/>
-            <a:ext cx="9942716" cy="1554480"/>
-          </a:xfrm>
-        </p:spPr>
-        <p:txBody>
-          <a:bodyPr anchor="ctr">
-            <a:normAutofit/>
-          </a:bodyPr>
-          <a:lstStyle/>
-          <a:p>
-            <a:r>
-              <a:rPr lang="en-US" sz="4800"/>
-              <a:t>Hamdah</a:t>
-            </a:r>
-          </a:p>
-        </p:txBody>
-      </p:sp>
-      <p:sp>
-        <p:nvSpPr>
-          <p:cNvPr id="3" name="Content Placeholder 2">
-            <a:extLst>
-              <a:ext uri="{FF2B5EF4-FFF2-40B4-BE49-F238E27FC236}">
-                <a16:creationId xmlns:a16="http://schemas.microsoft.com/office/drawing/2014/main" id="{0377EDDB-69C0-6BDE-7BFB-62BC2CA37BDA}"/>
-              </a:ext>
-            </a:extLst>
-          </p:cNvPr>
-          <p:cNvSpPr>
-            <a:spLocks noGrp="1"/>
-          </p:cNvSpPr>
-          <p:nvPr>
-            <p:ph idx="1"/>
-          </p:nvPr>
-        </p:nvSpPr>
-        <p:spPr>
-          <a:xfrm>
-            <a:off x="1045028" y="3017522"/>
-            <a:ext cx="9941319" cy="3124658"/>
-          </a:xfrm>
-        </p:spPr>
-        <p:txBody>
-          <a:bodyPr anchor="ctr">
-            <a:normAutofit fontScale="92500" lnSpcReduction="10000"/>
-          </a:bodyPr>
-          <a:lstStyle/>
-          <a:p>
-            <a:r>
-              <a:rPr lang="en-US" dirty="0"/>
-              <a:t>In Deliverable 2, the collaboration among our group members made it possible to execute the Python code for descriptive analysis. We utilized some methods to calculate the mean, IQR, skewness, and frequency tables. Cooperation among us enabled us to get a grasp of the value's meaning and the code's operation in a stepwise manner. The code execution allowed us to visualize the dataset's patterns more clearly. Overall, this section was beneficial in upgrading our capabilities in output reading and comprehension of fundamental data statistics.</a:t>
-            </a:r>
-          </a:p>
-        </p:txBody>
-      </p:sp>
-      <p:cxnSp>
-        <p:nvCxnSpPr>
-          <p:cNvPr id="17" name="Straight Connector 16">
-            <a:extLst>
-              <a:ext uri="{FF2B5EF4-FFF2-40B4-BE49-F238E27FC236}">
-                <a16:creationId xmlns:a16="http://schemas.microsoft.com/office/drawing/2014/main" id="{6CF1BAF6-AD41-4082-B212-8A1F9A2E8779}"/>
-              </a:ext>
-              <a:ext uri="{C183D7F6-B498-43B3-948B-1728B52AA6E4}">
-                <adec:decorative xmlns:adec="http://schemas.microsoft.com/office/drawing/2017/decorative" val="1"/>
-              </a:ext>
-            </a:extLst>
-          </p:cNvPr>
-          <p:cNvCxnSpPr>
-            <a:cxnSpLocks noGrp="1" noRot="1" noChangeAspect="1" noMove="1" noResize="1" noEditPoints="1" noAdjustHandles="1" noChangeArrowheads="1" noChangeShapeType="1"/>
-          </p:cNvCxnSpPr>
-          <p:nvPr>
-            <p:extLst>
-              <p:ext uri="{386F3935-93C4-4BCD-93E2-E3B085C9AB24}">
-                <p16:designElem xmlns:p16="http://schemas.microsoft.com/office/powerpoint/2015/main" val="1"/>
-              </p:ext>
-            </p:extLst>
-          </p:nvPr>
-        </p:nvCxnSpPr>
-        <p:spPr>
-          <a:xfrm flipH="1">
-            <a:off x="838200" y="6485313"/>
-            <a:ext cx="10515600" cy="0"/>
-          </a:xfrm>
-          <a:prstGeom prst="line">
-            <a:avLst/>
-          </a:prstGeom>
-          <a:ln w="57150">
-            <a:solidFill>
-              <a:schemeClr val="accent4"/>
-            </a:solidFill>
-          </a:ln>
-        </p:spPr>
-        <p:style>
-          <a:lnRef idx="1">
-            <a:schemeClr val="accent1"/>
-          </a:lnRef>
-          <a:fillRef idx="0">
-            <a:schemeClr val="accent1"/>
-          </a:fillRef>
-          <a:effectRef idx="0">
-            <a:schemeClr val="accent1"/>
-          </a:effectRef>
-          <a:fontRef idx="minor">
-            <a:schemeClr val="tx1"/>
-          </a:fontRef>
-        </p:style>
-      </p:cxnSp>
-    </p:spTree>
-    <p:extLst>
-      <p:ext uri="{BB962C8B-B14F-4D97-AF65-F5344CB8AC3E}">
-        <p14:creationId xmlns:p14="http://schemas.microsoft.com/office/powerpoint/2010/main" val="2460280865"/>
-      </p:ext>
-    </p:extLst>
-  </p:cSld>
-  <p:clrMapOvr>
-    <a:masterClrMapping/>
-  </p:clrMapOvr>
 </p:sld>
 </file>
 
